--- a/doc/PSRFMUserGuide.pptx
+++ b/doc/PSRFMUserGuide.pptx
@@ -8,15 +8,19 @@
     <p:sldId id="256" r:id="rId2"/>
     <p:sldId id="257" r:id="rId3"/>
     <p:sldId id="258" r:id="rId4"/>
-    <p:sldId id="296" r:id="rId5"/>
-    <p:sldId id="297" r:id="rId6"/>
-    <p:sldId id="290" r:id="rId7"/>
-    <p:sldId id="298" r:id="rId8"/>
-    <p:sldId id="299" r:id="rId9"/>
-    <p:sldId id="300" r:id="rId10"/>
-    <p:sldId id="301" r:id="rId11"/>
-    <p:sldId id="302" r:id="rId12"/>
-    <p:sldId id="303" r:id="rId13"/>
+    <p:sldId id="306" r:id="rId5"/>
+    <p:sldId id="296" r:id="rId6"/>
+    <p:sldId id="297" r:id="rId7"/>
+    <p:sldId id="290" r:id="rId8"/>
+    <p:sldId id="305" r:id="rId9"/>
+    <p:sldId id="298" r:id="rId10"/>
+    <p:sldId id="299" r:id="rId11"/>
+    <p:sldId id="307" r:id="rId12"/>
+    <p:sldId id="300" r:id="rId13"/>
+    <p:sldId id="301" r:id="rId14"/>
+    <p:sldId id="302" r:id="rId15"/>
+    <p:sldId id="308" r:id="rId16"/>
+    <p:sldId id="303" r:id="rId17"/>
   </p:sldIdLst>
   <p:sldSz cx="9144000" cy="6858000" type="screen4x3"/>
   <p:notesSz cx="6858000" cy="9144000"/>
@@ -316,7 +320,7 @@
             <a:fld id="{0FB32E31-694C-4175-8B9C-E95A874197EA}" type="datetimeFigureOut">
               <a:rPr lang="en-US" smtClean="0"/>
               <a:pPr/>
-              <a:t>8/21/2019</a:t>
+              <a:t>12/20/2019</a:t>
             </a:fld>
             <a:endParaRPr lang="en-US"/>
           </a:p>
@@ -483,7 +487,7 @@
             <a:fld id="{0FB32E31-694C-4175-8B9C-E95A874197EA}" type="datetimeFigureOut">
               <a:rPr lang="en-US" smtClean="0"/>
               <a:pPr/>
-              <a:t>8/21/2019</a:t>
+              <a:t>12/20/2019</a:t>
             </a:fld>
             <a:endParaRPr lang="en-US"/>
           </a:p>
@@ -660,7 +664,7 @@
             <a:fld id="{0FB32E31-694C-4175-8B9C-E95A874197EA}" type="datetimeFigureOut">
               <a:rPr lang="en-US" smtClean="0"/>
               <a:pPr/>
-              <a:t>8/21/2019</a:t>
+              <a:t>12/20/2019</a:t>
             </a:fld>
             <a:endParaRPr lang="en-US"/>
           </a:p>
@@ -827,7 +831,7 @@
             <a:fld id="{0FB32E31-694C-4175-8B9C-E95A874197EA}" type="datetimeFigureOut">
               <a:rPr lang="en-US" smtClean="0"/>
               <a:pPr/>
-              <a:t>8/21/2019</a:t>
+              <a:t>12/20/2019</a:t>
             </a:fld>
             <a:endParaRPr lang="en-US"/>
           </a:p>
@@ -1070,7 +1074,7 @@
             <a:fld id="{0FB32E31-694C-4175-8B9C-E95A874197EA}" type="datetimeFigureOut">
               <a:rPr lang="en-US" smtClean="0"/>
               <a:pPr/>
-              <a:t>8/21/2019</a:t>
+              <a:t>12/20/2019</a:t>
             </a:fld>
             <a:endParaRPr lang="en-US"/>
           </a:p>
@@ -1355,7 +1359,7 @@
             <a:fld id="{0FB32E31-694C-4175-8B9C-E95A874197EA}" type="datetimeFigureOut">
               <a:rPr lang="en-US" smtClean="0"/>
               <a:pPr/>
-              <a:t>8/21/2019</a:t>
+              <a:t>12/20/2019</a:t>
             </a:fld>
             <a:endParaRPr lang="en-US"/>
           </a:p>
@@ -1774,7 +1778,7 @@
             <a:fld id="{0FB32E31-694C-4175-8B9C-E95A874197EA}" type="datetimeFigureOut">
               <a:rPr lang="en-US" smtClean="0"/>
               <a:pPr/>
-              <a:t>8/21/2019</a:t>
+              <a:t>12/20/2019</a:t>
             </a:fld>
             <a:endParaRPr lang="en-US"/>
           </a:p>
@@ -1889,7 +1893,7 @@
             <a:fld id="{0FB32E31-694C-4175-8B9C-E95A874197EA}" type="datetimeFigureOut">
               <a:rPr lang="en-US" smtClean="0"/>
               <a:pPr/>
-              <a:t>8/21/2019</a:t>
+              <a:t>12/20/2019</a:t>
             </a:fld>
             <a:endParaRPr lang="en-US"/>
           </a:p>
@@ -1981,7 +1985,7 @@
             <a:fld id="{0FB32E31-694C-4175-8B9C-E95A874197EA}" type="datetimeFigureOut">
               <a:rPr lang="en-US" smtClean="0"/>
               <a:pPr/>
-              <a:t>8/21/2019</a:t>
+              <a:t>12/20/2019</a:t>
             </a:fld>
             <a:endParaRPr lang="en-US"/>
           </a:p>
@@ -2255,7 +2259,7 @@
             <a:fld id="{0FB32E31-694C-4175-8B9C-E95A874197EA}" type="datetimeFigureOut">
               <a:rPr lang="en-US" smtClean="0"/>
               <a:pPr/>
-              <a:t>8/21/2019</a:t>
+              <a:t>12/20/2019</a:t>
             </a:fld>
             <a:endParaRPr lang="en-US"/>
           </a:p>
@@ -2505,7 +2509,7 @@
             <a:fld id="{0FB32E31-694C-4175-8B9C-E95A874197EA}" type="datetimeFigureOut">
               <a:rPr lang="en-US" smtClean="0"/>
               <a:pPr/>
-              <a:t>8/21/2019</a:t>
+              <a:t>12/20/2019</a:t>
             </a:fld>
             <a:endParaRPr lang="en-US"/>
           </a:p>
@@ -2715,7 +2719,7 @@
             <a:fld id="{0FB32E31-694C-4175-8B9C-E95A874197EA}" type="datetimeFigureOut">
               <a:rPr lang="en-US" smtClean="0"/>
               <a:pPr/>
-              <a:t>8/21/2019</a:t>
+              <a:t>12/20/2019</a:t>
             </a:fld>
             <a:endParaRPr lang="en-US"/>
           </a:p>
@@ -3190,8 +3194,8 @@
           <a:lstStyle/>
           <a:p>
             <a:r>
-              <a:rPr lang="en-CA"/>
-              <a:t>Options for residual adjustment</a:t>
+              <a:rPr lang="en-CA" dirty="0" smtClean="0"/>
+              <a:t>Metadata of the input images</a:t>
             </a:r>
             <a:endParaRPr lang="en-CA" dirty="0"/>
           </a:p>
@@ -3207,10 +3211,15 @@
             <p:ph idx="1"/>
           </p:nvPr>
         </p:nvSpPr>
-        <p:spPr/>
+        <p:spPr>
+          <a:xfrm>
+            <a:off x="457200" y="1600200"/>
+            <a:ext cx="8229600" cy="4645617"/>
+          </a:xfrm>
+        </p:spPr>
         <p:txBody>
           <a:bodyPr>
-            <a:normAutofit/>
+            <a:normAutofit fontScale="47500" lnSpcReduction="20000"/>
           </a:bodyPr>
           <a:lstStyle/>
           <a:p>
@@ -3218,115 +3227,284 @@
               <a:buNone/>
             </a:pPr>
             <a:r>
-              <a:rPr lang="en-CA" sz="2000" dirty="0"/>
-              <a:t># residual correction or adjustment method for abrupt land </a:t>
-            </a:r>
-            <a:endParaRPr lang="en-CA" sz="2000" dirty="0" smtClean="0"/>
-          </a:p>
-          <a:p>
-            <a:pPr marL="0" indent="0">
-              <a:buNone/>
-            </a:pPr>
-            <a:r>
-              <a:rPr lang="en-CA" sz="2000" dirty="0" smtClean="0"/>
-              <a:t># surface </a:t>
-            </a:r>
-            <a:r>
-              <a:rPr lang="en-CA" sz="2000" dirty="0"/>
-              <a:t>changes(</a:t>
-            </a:r>
-            <a:r>
-              <a:rPr lang="en-CA" sz="2000" i="1" dirty="0" err="1"/>
-              <a:t>none</a:t>
-            </a:r>
-            <a:r>
-              <a:rPr lang="en-CA" sz="2000" dirty="0" err="1"/>
-              <a:t>|</a:t>
-            </a:r>
-            <a:r>
-              <a:rPr lang="en-CA" sz="2000" i="1" dirty="0" err="1"/>
-              <a:t>bilinear</a:t>
-            </a:r>
-            <a:r>
-              <a:rPr lang="en-CA" sz="2000" dirty="0"/>
-              <a:t>)</a:t>
-            </a:r>
-          </a:p>
-          <a:p>
-            <a:pPr marL="0" indent="0">
-              <a:buNone/>
-            </a:pPr>
-            <a:r>
-              <a:rPr lang="en-CA" sz="2000" dirty="0"/>
+              <a:rPr lang="en-CA" dirty="0"/>
+              <a:t># number of bands (same for all inputs)</a:t>
+            </a:r>
+          </a:p>
+          <a:p>
+            <a:pPr marL="0" indent="0">
+              <a:buNone/>
+            </a:pPr>
+            <a:r>
+              <a:rPr lang="en-CA" dirty="0"/>
+              <a:t>  </a:t>
+            </a:r>
+            <a:r>
+              <a:rPr lang="en-CA" i="1" dirty="0"/>
+              <a:t>NBANDS = 6</a:t>
+            </a:r>
+          </a:p>
+          <a:p>
+            <a:pPr marL="0" indent="0">
+              <a:buNone/>
+            </a:pPr>
+            <a:r>
+              <a:rPr lang="en-CA" dirty="0"/>
+              <a:t># spatial resolution (same for all inputs)</a:t>
+            </a:r>
+          </a:p>
+          <a:p>
+            <a:pPr marL="0" indent="0">
+              <a:buNone/>
+            </a:pPr>
+            <a:r>
+              <a:rPr lang="en-CA" dirty="0"/>
+              <a:t>  </a:t>
+            </a:r>
+            <a:r>
+              <a:rPr lang="en-CA" i="1" dirty="0"/>
+              <a:t>RESOLUTION = 20</a:t>
+            </a:r>
+          </a:p>
+          <a:p>
+            <a:pPr marL="0" indent="0">
+              <a:buNone/>
+            </a:pPr>
+            <a:r>
+              <a:rPr lang="en-CA" dirty="0"/>
+              <a:t># resolution ratio of coarse and fine </a:t>
+            </a:r>
+            <a:r>
+              <a:rPr lang="en-CA" dirty="0" smtClean="0"/>
+              <a:t>images (BLOCK_SIZE = coarse resolution / fine resolution)</a:t>
+            </a:r>
+          </a:p>
+          <a:p>
+            <a:pPr marL="0" indent="0">
+              <a:buNone/>
+            </a:pPr>
+            <a:r>
+              <a:rPr lang="en-CA" dirty="0" smtClean="0"/>
               <a:t># </a:t>
             </a:r>
             <a:r>
-              <a:rPr lang="en-CA" sz="2000" i="1" dirty="0"/>
-              <a:t>RC_METHOD = </a:t>
-            </a:r>
-            <a:r>
-              <a:rPr lang="en-CA" sz="2000" i="1" dirty="0" smtClean="0"/>
-              <a:t>none </a:t>
-            </a:r>
-            <a:r>
-              <a:rPr lang="en-CA" sz="2000" dirty="0"/>
-              <a:t>don't apply the residual adjustment</a:t>
-            </a:r>
-          </a:p>
-          <a:p>
-            <a:pPr marL="0" indent="0">
-              <a:buNone/>
-            </a:pPr>
-            <a:r>
-              <a:rPr lang="en-CA" sz="2000" dirty="0"/>
+              <a:rPr lang="en-CA" b="1" dirty="0" smtClean="0"/>
+              <a:t>important:</a:t>
+            </a:r>
+            <a:r>
+              <a:rPr lang="en-CA" dirty="0" smtClean="0"/>
+              <a:t> the </a:t>
+            </a:r>
+            <a:r>
+              <a:rPr lang="en-CA" i="1" dirty="0"/>
+              <a:t>NROWS</a:t>
+            </a:r>
+            <a:r>
+              <a:rPr lang="en-CA" dirty="0" smtClean="0"/>
+              <a:t> and </a:t>
+            </a:r>
+            <a:r>
+              <a:rPr lang="en-CA" i="1" dirty="0"/>
+              <a:t>NCOLS</a:t>
+            </a:r>
+            <a:r>
+              <a:rPr lang="en-CA" dirty="0" smtClean="0"/>
+              <a:t> must </a:t>
+            </a:r>
+            <a:r>
+              <a:rPr lang="en-CA" dirty="0"/>
+              <a:t>be </a:t>
+            </a:r>
+            <a:r>
+              <a:rPr lang="en-CA" dirty="0" smtClean="0"/>
+              <a:t>divisible by the </a:t>
+            </a:r>
+            <a:r>
+              <a:rPr lang="en-CA" i="1" dirty="0" smtClean="0"/>
+              <a:t>BLOCK_SIZE</a:t>
+            </a:r>
+          </a:p>
+          <a:p>
+            <a:pPr marL="0" indent="0">
+              <a:buNone/>
+            </a:pPr>
+            <a:r>
+              <a:rPr lang="en-CA" dirty="0" smtClean="0"/>
+              <a:t>  </a:t>
+            </a:r>
+            <a:r>
+              <a:rPr lang="en-CA" i="1" dirty="0"/>
+              <a:t>BLOCK_SIZE = 25</a:t>
+            </a:r>
+          </a:p>
+          <a:p>
+            <a:pPr marL="0" indent="0">
+              <a:buNone/>
+            </a:pPr>
+            <a:r>
+              <a:rPr lang="en-CA" dirty="0"/>
+              <a:t># p</a:t>
+            </a:r>
+            <a:r>
+              <a:rPr lang="en-CA" dirty="0" smtClean="0"/>
+              <a:t>ixel value scale </a:t>
+            </a:r>
+            <a:r>
+              <a:rPr lang="en-CA" dirty="0"/>
+              <a:t>factor</a:t>
+            </a:r>
+          </a:p>
+          <a:p>
+            <a:pPr marL="0" indent="0">
+              <a:buNone/>
+            </a:pPr>
+            <a:r>
+              <a:rPr lang="en-CA" dirty="0"/>
+              <a:t>  </a:t>
+            </a:r>
+            <a:r>
+              <a:rPr lang="en-CA" i="1" dirty="0"/>
+              <a:t>SCALE_FACTOR = 10000</a:t>
+            </a:r>
+          </a:p>
+          <a:p>
+            <a:pPr marL="0" indent="0">
+              <a:buNone/>
+            </a:pPr>
+            <a:r>
+              <a:rPr lang="en-CA" dirty="0"/>
               <a:t># </a:t>
             </a:r>
             <a:r>
-              <a:rPr lang="en-CA" sz="2000" i="1" dirty="0"/>
-              <a:t>RC_METHOD = </a:t>
-            </a:r>
-            <a:r>
-              <a:rPr lang="en-CA" sz="2000" i="1" dirty="0" smtClean="0"/>
-              <a:t>bilinear </a:t>
-            </a:r>
-            <a:r>
-              <a:rPr lang="en-CA" sz="2000" dirty="0"/>
-              <a:t>apply the residual adjustment </a:t>
-            </a:r>
-            <a:endParaRPr lang="en-CA" sz="2000" dirty="0" smtClean="0"/>
-          </a:p>
-          <a:p>
-            <a:pPr marL="0" indent="0">
-              <a:buNone/>
-            </a:pPr>
-            <a:r>
-              <a:rPr lang="en-CA" sz="2000" dirty="0" smtClean="0"/>
-              <a:t># based </a:t>
-            </a:r>
-            <a:r>
-              <a:rPr lang="en-CA" sz="2000" dirty="0"/>
-              <a:t>on a bilinear interpolation method</a:t>
-            </a:r>
-          </a:p>
-          <a:p>
-            <a:pPr marL="0" indent="0">
-              <a:buNone/>
-            </a:pPr>
-            <a:r>
-              <a:rPr lang="en-CA" sz="2000" dirty="0"/>
+              <a:rPr lang="en-CA" dirty="0" smtClean="0"/>
+              <a:t>metadata </a:t>
+            </a:r>
+            <a:r>
+              <a:rPr lang="en-CA" dirty="0"/>
+              <a:t>for fine resolution </a:t>
+            </a:r>
+            <a:r>
+              <a:rPr lang="en-CA" dirty="0" smtClean="0"/>
+              <a:t>image</a:t>
+            </a:r>
+            <a:endParaRPr lang="en-CA" dirty="0"/>
+          </a:p>
+          <a:p>
+            <a:pPr marL="0" indent="0">
+              <a:buNone/>
+            </a:pPr>
+            <a:r>
+              <a:rPr lang="en-CA" dirty="0"/>
               <a:t>  </a:t>
             </a:r>
             <a:r>
-              <a:rPr lang="en-CA" sz="2000" i="1" dirty="0"/>
-              <a:t>RC_METHOD = none</a:t>
-            </a:r>
+              <a:rPr lang="en-CA" i="1" dirty="0"/>
+              <a:t>FINE_IMAGE_FILLV = -9999</a:t>
+            </a:r>
+          </a:p>
+          <a:p>
+            <a:pPr marL="0" indent="0">
+              <a:buNone/>
+            </a:pPr>
+            <a:r>
+              <a:rPr lang="en-CA" dirty="0"/>
+              <a:t>  </a:t>
+            </a:r>
+            <a:r>
+              <a:rPr lang="en-CA" i="1" dirty="0"/>
+              <a:t>FINE_IMAGE_DATA_RANGE = 0, 10000</a:t>
+            </a:r>
+          </a:p>
+          <a:p>
+            <a:pPr marL="0" indent="0">
+              <a:buNone/>
+            </a:pPr>
+            <a:r>
+              <a:rPr lang="en-CA" dirty="0"/>
+              <a:t>  </a:t>
+            </a:r>
+            <a:r>
+              <a:rPr lang="en-CA" i="1" dirty="0"/>
+              <a:t>FINE_IMAGE_UNCERTAINTY = 40</a:t>
+            </a:r>
+          </a:p>
+          <a:p>
+            <a:pPr marL="0" indent="0">
+              <a:buNone/>
+            </a:pPr>
+            <a:r>
+              <a:rPr lang="en-CA" dirty="0"/>
+              <a:t># </a:t>
+            </a:r>
+            <a:r>
+              <a:rPr lang="en-CA" dirty="0" smtClean="0"/>
+              <a:t>metadata </a:t>
+            </a:r>
+            <a:r>
+              <a:rPr lang="en-CA" dirty="0"/>
+              <a:t>for coarse resolution </a:t>
+            </a:r>
+            <a:r>
+              <a:rPr lang="en-CA" dirty="0" smtClean="0"/>
+              <a:t>image</a:t>
+            </a:r>
+            <a:endParaRPr lang="en-CA" dirty="0"/>
+          </a:p>
+          <a:p>
+            <a:pPr marL="0" indent="0">
+              <a:buNone/>
+            </a:pPr>
+            <a:r>
+              <a:rPr lang="en-CA" dirty="0"/>
+              <a:t>  </a:t>
+            </a:r>
+            <a:r>
+              <a:rPr lang="en-CA" i="1" dirty="0"/>
+              <a:t>COARSE_IMAGE_FILLV = 32767</a:t>
+            </a:r>
+          </a:p>
+          <a:p>
+            <a:pPr marL="0" indent="0">
+              <a:buNone/>
+            </a:pPr>
+            <a:r>
+              <a:rPr lang="en-CA" dirty="0"/>
+              <a:t>  </a:t>
+            </a:r>
+            <a:r>
+              <a:rPr lang="en-CA" i="1" dirty="0"/>
+              <a:t>COARSE_IMAGE_DATA_RANGE = 0, 10000</a:t>
+            </a:r>
+          </a:p>
+          <a:p>
+            <a:pPr marL="0" indent="0">
+              <a:buNone/>
+            </a:pPr>
+            <a:r>
+              <a:rPr lang="en-CA" dirty="0"/>
+              <a:t>  </a:t>
+            </a:r>
+            <a:r>
+              <a:rPr lang="en-CA" i="1" dirty="0"/>
+              <a:t>COARSE_IMAGE_UNCERTAINTY = </a:t>
+            </a:r>
+            <a:r>
+              <a:rPr lang="en-CA" i="1" dirty="0" smtClean="0"/>
+              <a:t>20</a:t>
+            </a:r>
+          </a:p>
+          <a:p>
+            <a:pPr marL="0" indent="0">
+              <a:buNone/>
+            </a:pPr>
+            <a:endParaRPr lang="en-CA" i="1" dirty="0"/>
           </a:p>
         </p:txBody>
       </p:sp>
     </p:spTree>
     <p:extLst>
       <p:ext uri="{BB962C8B-B14F-4D97-AF65-F5344CB8AC3E}">
-        <p14:creationId xmlns:p14="http://schemas.microsoft.com/office/powerpoint/2010/main" val="438004210"/>
+        <p14:creationId xmlns:p14="http://schemas.microsoft.com/office/powerpoint/2010/main" val="2457881503"/>
       </p:ext>
     </p:extLst>
   </p:cSld>
@@ -3365,6 +3543,831 @@
         </p:nvSpPr>
         <p:spPr/>
         <p:txBody>
+          <a:bodyPr/>
+          <a:lstStyle/>
+          <a:p>
+            <a:r>
+              <a:rPr lang="en-CA" dirty="0" smtClean="0"/>
+              <a:t>Option for Input Cluster Data Files</a:t>
+            </a:r>
+            <a:endParaRPr lang="en-CA" dirty="0"/>
+          </a:p>
+        </p:txBody>
+      </p:sp>
+      <p:sp>
+        <p:nvSpPr>
+          <p:cNvPr id="3" name="Content Placeholder 2"/>
+          <p:cNvSpPr>
+            <a:spLocks noGrp="1"/>
+          </p:cNvSpPr>
+          <p:nvPr>
+            <p:ph idx="1"/>
+          </p:nvPr>
+        </p:nvSpPr>
+        <p:spPr>
+          <a:xfrm>
+            <a:off x="457200" y="1600200"/>
+            <a:ext cx="8458200" cy="4525963"/>
+          </a:xfrm>
+        </p:spPr>
+        <p:txBody>
+          <a:bodyPr>
+            <a:normAutofit fontScale="85000" lnSpcReduction="10000"/>
+          </a:bodyPr>
+          <a:lstStyle/>
+          <a:p>
+            <a:pPr marL="0" indent="0">
+              <a:buNone/>
+            </a:pPr>
+            <a:r>
+              <a:rPr lang="en-CA" sz="2400" dirty="0"/>
+              <a:t># </a:t>
+            </a:r>
+            <a:r>
+              <a:rPr lang="en-CA" sz="2400" dirty="0" smtClean="0"/>
+              <a:t>use known input </a:t>
+            </a:r>
+            <a:r>
+              <a:rPr lang="en-CA" sz="2400" dirty="0"/>
+              <a:t>cluster data (saved in 1 bytes (int8) / pixel</a:t>
+            </a:r>
+            <a:r>
+              <a:rPr lang="en-CA" sz="2400" dirty="0" smtClean="0"/>
+              <a:t>)</a:t>
+            </a:r>
+          </a:p>
+          <a:p>
+            <a:pPr marL="0" indent="0">
+              <a:buNone/>
+            </a:pPr>
+            <a:r>
+              <a:rPr lang="en-CA" sz="2400" i="1" dirty="0" smtClean="0"/>
+              <a:t>CLUSTER_METHOD = DONE</a:t>
+            </a:r>
+          </a:p>
+          <a:p>
+            <a:pPr marL="0" indent="0">
+              <a:buNone/>
+            </a:pPr>
+            <a:r>
+              <a:rPr lang="en-CA" sz="1200" i="1" dirty="0" smtClean="0"/>
+              <a:t>IN_PAIR_CLUSTER_FNAME </a:t>
+            </a:r>
+            <a:r>
+              <a:rPr lang="en-CA" sz="1200" i="1" dirty="0"/>
+              <a:t>= C:\\PSRFM\\psrfm\\TestData\\Input\\start_cluster_image.dat C:\\PSRFM\\psrfm\\TestData\\Input\\</a:t>
+            </a:r>
+            <a:r>
+              <a:rPr lang="en-CA" sz="1200" i="1" dirty="0" smtClean="0"/>
+              <a:t>end_cluster_image.dat</a:t>
+            </a:r>
+          </a:p>
+          <a:p>
+            <a:pPr marL="0" indent="0">
+              <a:buNone/>
+            </a:pPr>
+            <a:endParaRPr lang="en-CA" sz="2400" dirty="0" smtClean="0"/>
+          </a:p>
+          <a:p>
+            <a:pPr marL="0" indent="0">
+              <a:buNone/>
+            </a:pPr>
+            <a:r>
+              <a:rPr lang="en-CA" sz="2400" dirty="0" smtClean="0"/>
+              <a:t># Note: The cluster numbers should be 1, 2, 3, …, K. The K class is used for a </a:t>
+            </a:r>
+          </a:p>
+          <a:p>
+            <a:pPr marL="0" indent="0">
+              <a:buNone/>
+            </a:pPr>
+            <a:r>
+              <a:rPr lang="en-CA" sz="2400" dirty="0" smtClean="0"/>
+              <a:t># background value or invalid pixels. This is different from PCI </a:t>
+            </a:r>
+            <a:r>
+              <a:rPr lang="en-CA" sz="2400" dirty="0" err="1" smtClean="0"/>
+              <a:t>Geomatica’s</a:t>
+            </a:r>
+            <a:r>
+              <a:rPr lang="en-CA" sz="2400" dirty="0" smtClean="0"/>
+              <a:t> </a:t>
+            </a:r>
+          </a:p>
+          <a:p>
+            <a:pPr marL="0" indent="0">
+              <a:buNone/>
+            </a:pPr>
+            <a:r>
+              <a:rPr lang="en-CA" sz="2400" dirty="0" smtClean="0"/>
+              <a:t># output of clustering methods that uses 0 to represent the background value </a:t>
+            </a:r>
+          </a:p>
+          <a:p>
+            <a:pPr marL="0" indent="0">
+              <a:buNone/>
+            </a:pPr>
+            <a:r>
+              <a:rPr lang="en-CA" sz="2400" dirty="0" smtClean="0"/>
+              <a:t># or invalid pixels. </a:t>
+            </a:r>
+          </a:p>
+          <a:p>
+            <a:pPr marL="0" indent="0">
+              <a:buNone/>
+            </a:pPr>
+            <a:endParaRPr lang="en-CA" sz="2400" dirty="0" smtClean="0"/>
+          </a:p>
+          <a:p>
+            <a:pPr marL="0" indent="0">
+              <a:buNone/>
+            </a:pPr>
+            <a:r>
+              <a:rPr lang="en-CA" sz="2400" dirty="0" smtClean="0"/>
+              <a:t># or let the program conduct clustering</a:t>
+            </a:r>
+          </a:p>
+          <a:p>
+            <a:pPr marL="0" indent="0">
+              <a:buNone/>
+            </a:pPr>
+            <a:r>
+              <a:rPr lang="en-CA" sz="2400" i="1" dirty="0"/>
+              <a:t>CLUSTER_METHOD = KMEAN</a:t>
+            </a:r>
+          </a:p>
+          <a:p>
+            <a:pPr marL="0" indent="0">
+              <a:buNone/>
+            </a:pPr>
+            <a:r>
+              <a:rPr lang="en-CA" sz="2400" i="1" dirty="0" smtClean="0"/>
+              <a:t>IN_PAIR_CLUSTER_FNAME = NONE</a:t>
+            </a:r>
+          </a:p>
+        </p:txBody>
+      </p:sp>
+    </p:spTree>
+    <p:extLst>
+      <p:ext uri="{BB962C8B-B14F-4D97-AF65-F5344CB8AC3E}">
+        <p14:creationId xmlns:p14="http://schemas.microsoft.com/office/powerpoint/2010/main" val="1417596417"/>
+      </p:ext>
+    </p:extLst>
+  </p:cSld>
+  <p:clrMapOvr>
+    <a:masterClrMapping/>
+  </p:clrMapOvr>
+</p:sld>
+</file>
+
+<file path=ppt/slides/slide12.xml><?xml version="1.0" encoding="utf-8"?>
+<p:sld xmlns:a="http://schemas.openxmlformats.org/drawingml/2006/main" xmlns:r="http://schemas.openxmlformats.org/officeDocument/2006/relationships" xmlns:p="http://schemas.openxmlformats.org/presentationml/2006/main">
+  <p:cSld>
+    <p:spTree>
+      <p:nvGrpSpPr>
+        <p:cNvPr id="1" name=""/>
+        <p:cNvGrpSpPr/>
+        <p:nvPr/>
+      </p:nvGrpSpPr>
+      <p:grpSpPr>
+        <a:xfrm>
+          <a:off x="0" y="0"/>
+          <a:ext cx="0" cy="0"/>
+          <a:chOff x="0" y="0"/>
+          <a:chExt cx="0" cy="0"/>
+        </a:xfrm>
+      </p:grpSpPr>
+      <p:sp>
+        <p:nvSpPr>
+          <p:cNvPr id="2" name="Title 1"/>
+          <p:cNvSpPr>
+            <a:spLocks noGrp="1"/>
+          </p:cNvSpPr>
+          <p:nvPr>
+            <p:ph type="title"/>
+          </p:nvPr>
+        </p:nvSpPr>
+        <p:spPr/>
+        <p:txBody>
+          <a:bodyPr/>
+          <a:lstStyle/>
+          <a:p>
+            <a:r>
+              <a:rPr lang="en-CA" dirty="0" smtClean="0"/>
+              <a:t>Options for clustering</a:t>
+            </a:r>
+            <a:endParaRPr lang="en-CA" dirty="0"/>
+          </a:p>
+        </p:txBody>
+      </p:sp>
+      <p:sp>
+        <p:nvSpPr>
+          <p:cNvPr id="3" name="Content Placeholder 2"/>
+          <p:cNvSpPr>
+            <a:spLocks noGrp="1"/>
+          </p:cNvSpPr>
+          <p:nvPr>
+            <p:ph idx="1"/>
+          </p:nvPr>
+        </p:nvSpPr>
+        <p:spPr>
+          <a:xfrm>
+            <a:off x="457200" y="1600200"/>
+            <a:ext cx="8153400" cy="4800600"/>
+          </a:xfrm>
+        </p:spPr>
+        <p:txBody>
+          <a:bodyPr>
+            <a:normAutofit fontScale="47500" lnSpcReduction="20000"/>
+          </a:bodyPr>
+          <a:lstStyle/>
+          <a:p>
+            <a:pPr marL="0" indent="0">
+              <a:buNone/>
+            </a:pPr>
+            <a:r>
+              <a:rPr lang="en-CA" dirty="0"/>
+              <a:t># cluster method </a:t>
+            </a:r>
+            <a:r>
+              <a:rPr lang="en-CA" dirty="0" smtClean="0"/>
+              <a:t>(DONE|KMEAN|CRATIO</a:t>
+            </a:r>
+            <a:r>
+              <a:rPr lang="en-CA" dirty="0"/>
+              <a:t>) and input data</a:t>
+            </a:r>
+            <a:r>
+              <a:rPr lang="en-CA" dirty="0" smtClean="0"/>
+              <a:t>.</a:t>
+            </a:r>
+          </a:p>
+          <a:p>
+            <a:pPr marL="0" indent="0">
+              <a:buNone/>
+            </a:pPr>
+            <a:r>
+              <a:rPr lang="en-CA" dirty="0" smtClean="0"/>
+              <a:t># </a:t>
+            </a:r>
+            <a:r>
+              <a:rPr lang="en-CA" i="1" dirty="0" smtClean="0"/>
+              <a:t>CLUSTER_METHOD </a:t>
+            </a:r>
+            <a:r>
+              <a:rPr lang="en-CA" i="1" dirty="0"/>
+              <a:t>= </a:t>
+            </a:r>
+            <a:r>
+              <a:rPr lang="en-CA" i="1" dirty="0" smtClean="0"/>
+              <a:t>DONE </a:t>
+            </a:r>
+            <a:r>
+              <a:rPr lang="en-CA" dirty="0"/>
+              <a:t>use the </a:t>
+            </a:r>
+            <a:r>
+              <a:rPr lang="en-CA" dirty="0" smtClean="0"/>
+              <a:t>known input cluster data files</a:t>
+            </a:r>
+          </a:p>
+          <a:p>
+            <a:pPr marL="0" indent="0">
+              <a:buNone/>
+            </a:pPr>
+            <a:r>
+              <a:rPr lang="en-CA" dirty="0"/>
+              <a:t># </a:t>
+            </a:r>
+            <a:r>
+              <a:rPr lang="en-CA" i="1" dirty="0"/>
+              <a:t>CLUSTER_METHOD = KMEAN </a:t>
+            </a:r>
+            <a:r>
+              <a:rPr lang="en-CA" dirty="0"/>
+              <a:t>use the </a:t>
+            </a:r>
+            <a:r>
+              <a:rPr lang="en-CA" dirty="0" err="1"/>
+              <a:t>kmean</a:t>
+            </a:r>
+            <a:r>
+              <a:rPr lang="en-CA" dirty="0"/>
+              <a:t> method for </a:t>
+            </a:r>
+            <a:r>
+              <a:rPr lang="en-CA" dirty="0" smtClean="0"/>
+              <a:t>clustering</a:t>
+            </a:r>
+            <a:endParaRPr lang="en-CA" dirty="0"/>
+          </a:p>
+          <a:p>
+            <a:pPr marL="0" indent="0">
+              <a:buNone/>
+            </a:pPr>
+            <a:r>
+              <a:rPr lang="en-CA" dirty="0" smtClean="0"/>
+              <a:t># </a:t>
+            </a:r>
+            <a:r>
+              <a:rPr lang="en-CA" i="1" dirty="0"/>
+              <a:t>CLUSTER_METHOD = </a:t>
+            </a:r>
+            <a:r>
+              <a:rPr lang="en-CA" i="1" dirty="0" smtClean="0"/>
+              <a:t>CRATIO </a:t>
+            </a:r>
+            <a:r>
+              <a:rPr lang="en-CA" dirty="0" smtClean="0"/>
+              <a:t>use </a:t>
+            </a:r>
+            <a:r>
+              <a:rPr lang="en-CA" dirty="0"/>
+              <a:t>the simple grouping method, </a:t>
+            </a:r>
+            <a:endParaRPr lang="en-CA" dirty="0" smtClean="0"/>
+          </a:p>
+          <a:p>
+            <a:pPr marL="0" indent="0">
+              <a:buNone/>
+            </a:pPr>
+            <a:r>
+              <a:rPr lang="en-CA" dirty="0" smtClean="0"/>
+              <a:t># only </a:t>
+            </a:r>
+            <a:r>
+              <a:rPr lang="en-CA" dirty="0"/>
+              <a:t>valid </a:t>
+            </a:r>
+            <a:r>
+              <a:rPr lang="en-CA" dirty="0" smtClean="0"/>
+              <a:t>when </a:t>
+            </a:r>
+            <a:r>
+              <a:rPr lang="en-CA" i="1" dirty="0" smtClean="0"/>
+              <a:t>CLUSTER_DATA </a:t>
+            </a:r>
+            <a:r>
+              <a:rPr lang="en-CA" i="1" dirty="0"/>
+              <a:t>= </a:t>
+            </a:r>
+            <a:r>
+              <a:rPr lang="en-CA" i="1" dirty="0" smtClean="0"/>
+              <a:t>ratio</a:t>
+            </a:r>
+          </a:p>
+          <a:p>
+            <a:pPr marL="0" indent="0">
+              <a:buNone/>
+            </a:pPr>
+            <a:r>
+              <a:rPr lang="en-CA" dirty="0" smtClean="0"/>
+              <a:t>   </a:t>
+            </a:r>
+            <a:r>
+              <a:rPr lang="en-CA" i="1" dirty="0" smtClean="0"/>
+              <a:t>CLUSTER_METHOD </a:t>
+            </a:r>
+            <a:r>
+              <a:rPr lang="en-CA" i="1" dirty="0"/>
+              <a:t>= </a:t>
+            </a:r>
+            <a:r>
+              <a:rPr lang="en-CA" i="1" dirty="0" smtClean="0"/>
+              <a:t>KMEAN</a:t>
+            </a:r>
+          </a:p>
+          <a:p>
+            <a:pPr marL="0" indent="0">
+              <a:buNone/>
+            </a:pPr>
+            <a:endParaRPr lang="en-CA" dirty="0" smtClean="0"/>
+          </a:p>
+          <a:p>
+            <a:pPr marL="0" indent="0">
+              <a:buNone/>
+            </a:pPr>
+            <a:r>
+              <a:rPr lang="en-CA" dirty="0" smtClean="0"/>
+              <a:t># </a:t>
+            </a:r>
+            <a:r>
+              <a:rPr lang="en-CA" dirty="0"/>
+              <a:t>cluster method input data (</a:t>
+            </a:r>
+            <a:r>
+              <a:rPr lang="en-CA" dirty="0" err="1"/>
+              <a:t>fine|fine+coarse|ratio</a:t>
+            </a:r>
+            <a:r>
+              <a:rPr lang="en-CA" dirty="0" smtClean="0"/>
+              <a:t>)</a:t>
+            </a:r>
+          </a:p>
+          <a:p>
+            <a:pPr marL="0" indent="0">
+              <a:buNone/>
+            </a:pPr>
+            <a:r>
+              <a:rPr lang="en-CA" dirty="0" smtClean="0"/>
+              <a:t># </a:t>
+            </a:r>
+            <a:r>
+              <a:rPr lang="en-CA" i="1" dirty="0"/>
+              <a:t>CLUSTER_DATA = fine </a:t>
+            </a:r>
+            <a:r>
+              <a:rPr lang="en-CA" dirty="0" smtClean="0"/>
+              <a:t>use </a:t>
+            </a:r>
+            <a:r>
+              <a:rPr lang="en-CA" dirty="0"/>
+              <a:t>the fine resolution image at the start or end date </a:t>
+            </a:r>
+            <a:r>
+              <a:rPr lang="en-CA" dirty="0" smtClean="0"/>
+              <a:t>only</a:t>
+            </a:r>
+          </a:p>
+          <a:p>
+            <a:pPr marL="0" indent="0">
+              <a:buNone/>
+            </a:pPr>
+            <a:r>
+              <a:rPr lang="en-CA" dirty="0" smtClean="0"/>
+              <a:t># </a:t>
+            </a:r>
+            <a:r>
+              <a:rPr lang="en-CA" i="1" dirty="0"/>
+              <a:t>CLUSTER_DATA = </a:t>
+            </a:r>
+            <a:r>
+              <a:rPr lang="en-CA" i="1" dirty="0" err="1"/>
+              <a:t>fine+coarse</a:t>
+            </a:r>
+            <a:r>
+              <a:rPr lang="en-CA" i="1" dirty="0"/>
+              <a:t> </a:t>
+            </a:r>
+            <a:r>
+              <a:rPr lang="en-CA" dirty="0" smtClean="0"/>
+              <a:t>use </a:t>
+            </a:r>
+            <a:r>
+              <a:rPr lang="en-CA" dirty="0"/>
+              <a:t>the fine resolution image at the start or </a:t>
+            </a:r>
+            <a:endParaRPr lang="en-CA" dirty="0" smtClean="0"/>
+          </a:p>
+          <a:p>
+            <a:pPr marL="0" indent="0">
+              <a:buNone/>
+            </a:pPr>
+            <a:r>
+              <a:rPr lang="en-CA" dirty="0" smtClean="0"/>
+              <a:t># end </a:t>
+            </a:r>
+            <a:r>
+              <a:rPr lang="en-CA" dirty="0"/>
+              <a:t>date + the coarse </a:t>
+            </a:r>
+            <a:r>
+              <a:rPr lang="en-CA" dirty="0" smtClean="0"/>
+              <a:t>resolution image</a:t>
+            </a:r>
+          </a:p>
+          <a:p>
+            <a:pPr marL="0" indent="0">
+              <a:buNone/>
+            </a:pPr>
+            <a:r>
+              <a:rPr lang="en-CA" dirty="0" smtClean="0"/>
+              <a:t># </a:t>
+            </a:r>
+            <a:r>
+              <a:rPr lang="en-CA" i="1" dirty="0"/>
+              <a:t>CLUSTER_DATA = ratio </a:t>
+            </a:r>
+            <a:r>
+              <a:rPr lang="en-CA" dirty="0" smtClean="0"/>
+              <a:t>use </a:t>
+            </a:r>
+            <a:r>
+              <a:rPr lang="en-CA" dirty="0"/>
+              <a:t>the coarse resolution reflectance change ratios</a:t>
+            </a:r>
+            <a:endParaRPr lang="en-CA" dirty="0" smtClean="0"/>
+          </a:p>
+          <a:p>
+            <a:pPr marL="0" indent="0">
+              <a:buNone/>
+            </a:pPr>
+            <a:r>
+              <a:rPr lang="en-CA" dirty="0" smtClean="0"/>
+              <a:t>   </a:t>
+            </a:r>
+            <a:r>
+              <a:rPr lang="en-CA" i="1" dirty="0" smtClean="0"/>
+              <a:t>CLUSTER_DATA </a:t>
+            </a:r>
+            <a:r>
+              <a:rPr lang="en-CA" i="1" dirty="0"/>
+              <a:t>= </a:t>
+            </a:r>
+            <a:r>
+              <a:rPr lang="en-CA" i="1" dirty="0" smtClean="0"/>
+              <a:t>fine</a:t>
+            </a:r>
+          </a:p>
+          <a:p>
+            <a:pPr marL="0" indent="0">
+              <a:buNone/>
+            </a:pPr>
+            <a:endParaRPr lang="en-CA" dirty="0"/>
+          </a:p>
+          <a:p>
+            <a:pPr marL="0" indent="0">
+              <a:buNone/>
+            </a:pPr>
+            <a:r>
+              <a:rPr lang="en-CA" dirty="0"/>
+              <a:t># cluster range used for </a:t>
+            </a:r>
+            <a:r>
+              <a:rPr lang="en-CA" dirty="0" smtClean="0"/>
+              <a:t>optimizing </a:t>
+            </a:r>
+            <a:r>
+              <a:rPr lang="en-CA" dirty="0"/>
+              <a:t>clusters</a:t>
+            </a:r>
+          </a:p>
+          <a:p>
+            <a:pPr marL="0" indent="0">
+              <a:buNone/>
+            </a:pPr>
+            <a:r>
+              <a:rPr lang="en-CA" dirty="0"/>
+              <a:t>  </a:t>
+            </a:r>
+            <a:r>
+              <a:rPr lang="en-CA" dirty="0" smtClean="0"/>
+              <a:t> </a:t>
+            </a:r>
+            <a:r>
+              <a:rPr lang="en-CA" i="1" dirty="0" smtClean="0"/>
+              <a:t>CLUSTER_RANGE </a:t>
+            </a:r>
+            <a:r>
+              <a:rPr lang="en-CA" i="1" dirty="0"/>
+              <a:t>= 8 20</a:t>
+            </a:r>
+          </a:p>
+          <a:p>
+            <a:pPr marL="0" indent="0">
+              <a:buNone/>
+            </a:pPr>
+            <a:r>
+              <a:rPr lang="en-CA" dirty="0"/>
+              <a:t># cluster optimization method (CC|CF)</a:t>
+            </a:r>
+          </a:p>
+          <a:p>
+            <a:pPr marL="0" indent="0">
+              <a:buNone/>
+            </a:pPr>
+            <a:r>
+              <a:rPr lang="en-CA" dirty="0"/>
+              <a:t>  </a:t>
+            </a:r>
+            <a:r>
+              <a:rPr lang="en-CA" dirty="0" smtClean="0"/>
+              <a:t> </a:t>
+            </a:r>
+            <a:r>
+              <a:rPr lang="en-CA" i="1" dirty="0" smtClean="0"/>
+              <a:t>CLUSTER_OPTIMAL </a:t>
+            </a:r>
+            <a:r>
+              <a:rPr lang="en-CA" i="1" dirty="0"/>
+              <a:t>= CF</a:t>
+            </a:r>
+          </a:p>
+        </p:txBody>
+      </p:sp>
+    </p:spTree>
+    <p:extLst>
+      <p:ext uri="{BB962C8B-B14F-4D97-AF65-F5344CB8AC3E}">
+        <p14:creationId xmlns:p14="http://schemas.microsoft.com/office/powerpoint/2010/main" val="1671898980"/>
+      </p:ext>
+    </p:extLst>
+  </p:cSld>
+  <p:clrMapOvr>
+    <a:masterClrMapping/>
+  </p:clrMapOvr>
+</p:sld>
+</file>
+
+<file path=ppt/slides/slide13.xml><?xml version="1.0" encoding="utf-8"?>
+<p:sld xmlns:a="http://schemas.openxmlformats.org/drawingml/2006/main" xmlns:r="http://schemas.openxmlformats.org/officeDocument/2006/relationships" xmlns:p="http://schemas.openxmlformats.org/presentationml/2006/main">
+  <p:cSld>
+    <p:spTree>
+      <p:nvGrpSpPr>
+        <p:cNvPr id="1" name=""/>
+        <p:cNvGrpSpPr/>
+        <p:nvPr/>
+      </p:nvGrpSpPr>
+      <p:grpSpPr>
+        <a:xfrm>
+          <a:off x="0" y="0"/>
+          <a:ext cx="0" cy="0"/>
+          <a:chOff x="0" y="0"/>
+          <a:chExt cx="0" cy="0"/>
+        </a:xfrm>
+      </p:grpSpPr>
+      <p:sp>
+        <p:nvSpPr>
+          <p:cNvPr id="2" name="Title 1"/>
+          <p:cNvSpPr>
+            <a:spLocks noGrp="1"/>
+          </p:cNvSpPr>
+          <p:nvPr>
+            <p:ph type="title"/>
+          </p:nvPr>
+        </p:nvSpPr>
+        <p:spPr/>
+        <p:txBody>
+          <a:bodyPr/>
+          <a:lstStyle/>
+          <a:p>
+            <a:r>
+              <a:rPr lang="en-CA"/>
+              <a:t>Options for residual adjustment</a:t>
+            </a:r>
+            <a:endParaRPr lang="en-CA" dirty="0"/>
+          </a:p>
+        </p:txBody>
+      </p:sp>
+      <p:sp>
+        <p:nvSpPr>
+          <p:cNvPr id="3" name="Content Placeholder 2"/>
+          <p:cNvSpPr>
+            <a:spLocks noGrp="1"/>
+          </p:cNvSpPr>
+          <p:nvPr>
+            <p:ph idx="1"/>
+          </p:nvPr>
+        </p:nvSpPr>
+        <p:spPr/>
+        <p:txBody>
+          <a:bodyPr>
+            <a:normAutofit/>
+          </a:bodyPr>
+          <a:lstStyle/>
+          <a:p>
+            <a:pPr marL="0" indent="0">
+              <a:buNone/>
+            </a:pPr>
+            <a:r>
+              <a:rPr lang="en-CA" sz="2000" dirty="0"/>
+              <a:t># residual correction or adjustment method for abrupt land </a:t>
+            </a:r>
+            <a:endParaRPr lang="en-CA" sz="2000" dirty="0" smtClean="0"/>
+          </a:p>
+          <a:p>
+            <a:pPr marL="0" indent="0">
+              <a:buNone/>
+            </a:pPr>
+            <a:r>
+              <a:rPr lang="en-CA" sz="2000" dirty="0" smtClean="0"/>
+              <a:t># surface </a:t>
+            </a:r>
+            <a:r>
+              <a:rPr lang="en-CA" sz="2000" dirty="0"/>
+              <a:t>changes(</a:t>
+            </a:r>
+            <a:r>
+              <a:rPr lang="en-CA" sz="2000" dirty="0" err="1"/>
+              <a:t>none|bilinear</a:t>
+            </a:r>
+            <a:r>
+              <a:rPr lang="en-CA" sz="2000" dirty="0"/>
+              <a:t>)</a:t>
+            </a:r>
+          </a:p>
+          <a:p>
+            <a:pPr marL="0" indent="0">
+              <a:buNone/>
+            </a:pPr>
+            <a:r>
+              <a:rPr lang="en-CA" sz="2000" dirty="0"/>
+              <a:t># </a:t>
+            </a:r>
+            <a:r>
+              <a:rPr lang="en-CA" sz="2000" i="1" dirty="0"/>
+              <a:t>RC_METHOD = </a:t>
+            </a:r>
+            <a:r>
+              <a:rPr lang="en-CA" sz="2000" i="1" dirty="0" smtClean="0"/>
+              <a:t>none </a:t>
+            </a:r>
+            <a:r>
+              <a:rPr lang="en-CA" sz="2000" dirty="0"/>
+              <a:t>don't apply the residual adjustment</a:t>
+            </a:r>
+          </a:p>
+          <a:p>
+            <a:pPr marL="0" indent="0">
+              <a:buNone/>
+            </a:pPr>
+            <a:r>
+              <a:rPr lang="en-CA" sz="2000" dirty="0"/>
+              <a:t># </a:t>
+            </a:r>
+            <a:r>
+              <a:rPr lang="en-CA" sz="2000" i="1" dirty="0"/>
+              <a:t>RC_METHOD = </a:t>
+            </a:r>
+            <a:r>
+              <a:rPr lang="en-CA" sz="2000" i="1" dirty="0" smtClean="0"/>
+              <a:t>bilinear </a:t>
+            </a:r>
+            <a:r>
+              <a:rPr lang="en-CA" sz="2000" dirty="0"/>
+              <a:t>apply the residual adjustment </a:t>
+            </a:r>
+            <a:endParaRPr lang="en-CA" sz="2000" dirty="0" smtClean="0"/>
+          </a:p>
+          <a:p>
+            <a:pPr marL="0" indent="0">
+              <a:buNone/>
+            </a:pPr>
+            <a:r>
+              <a:rPr lang="en-CA" sz="2000" dirty="0" smtClean="0"/>
+              <a:t># based </a:t>
+            </a:r>
+            <a:r>
+              <a:rPr lang="en-CA" sz="2000" dirty="0"/>
+              <a:t>on a bilinear interpolation method</a:t>
+            </a:r>
+          </a:p>
+          <a:p>
+            <a:pPr marL="0" indent="0">
+              <a:buNone/>
+            </a:pPr>
+            <a:r>
+              <a:rPr lang="en-CA" sz="2000" dirty="0"/>
+              <a:t>  </a:t>
+            </a:r>
+            <a:r>
+              <a:rPr lang="en-CA" sz="2000" i="1" dirty="0"/>
+              <a:t>RC_METHOD = none</a:t>
+            </a:r>
+          </a:p>
+        </p:txBody>
+      </p:sp>
+    </p:spTree>
+    <p:extLst>
+      <p:ext uri="{BB962C8B-B14F-4D97-AF65-F5344CB8AC3E}">
+        <p14:creationId xmlns:p14="http://schemas.microsoft.com/office/powerpoint/2010/main" val="438004210"/>
+      </p:ext>
+    </p:extLst>
+  </p:cSld>
+  <p:clrMapOvr>
+    <a:masterClrMapping/>
+  </p:clrMapOvr>
+</p:sld>
+</file>
+
+<file path=ppt/slides/slide14.xml><?xml version="1.0" encoding="utf-8"?>
+<p:sld xmlns:a="http://schemas.openxmlformats.org/drawingml/2006/main" xmlns:r="http://schemas.openxmlformats.org/officeDocument/2006/relationships" xmlns:p="http://schemas.openxmlformats.org/presentationml/2006/main">
+  <p:cSld>
+    <p:spTree>
+      <p:nvGrpSpPr>
+        <p:cNvPr id="1" name=""/>
+        <p:cNvGrpSpPr/>
+        <p:nvPr/>
+      </p:nvGrpSpPr>
+      <p:grpSpPr>
+        <a:xfrm>
+          <a:off x="0" y="0"/>
+          <a:ext cx="0" cy="0"/>
+          <a:chOff x="0" y="0"/>
+          <a:chExt cx="0" cy="0"/>
+        </a:xfrm>
+      </p:grpSpPr>
+      <p:sp>
+        <p:nvSpPr>
+          <p:cNvPr id="2" name="Title 1"/>
+          <p:cNvSpPr>
+            <a:spLocks noGrp="1"/>
+          </p:cNvSpPr>
+          <p:nvPr>
+            <p:ph type="title"/>
+          </p:nvPr>
+        </p:nvSpPr>
+        <p:spPr/>
+        <p:txBody>
           <a:bodyPr>
             <a:normAutofit/>
           </a:bodyPr>
@@ -3494,7 +4497,165 @@
 </p:sld>
 </file>
 
-<file path=ppt/slides/slide12.xml><?xml version="1.0" encoding="utf-8"?>
+<file path=ppt/slides/slide15.xml><?xml version="1.0" encoding="utf-8"?>
+<p:sld xmlns:a="http://schemas.openxmlformats.org/drawingml/2006/main" xmlns:r="http://schemas.openxmlformats.org/officeDocument/2006/relationships" xmlns:p="http://schemas.openxmlformats.org/presentationml/2006/main">
+  <p:cSld>
+    <p:spTree>
+      <p:nvGrpSpPr>
+        <p:cNvPr id="1" name=""/>
+        <p:cNvGrpSpPr/>
+        <p:nvPr/>
+      </p:nvGrpSpPr>
+      <p:grpSpPr>
+        <a:xfrm>
+          <a:off x="0" y="0"/>
+          <a:ext cx="0" cy="0"/>
+          <a:chOff x="0" y="0"/>
+          <a:chExt cx="0" cy="0"/>
+        </a:xfrm>
+      </p:grpSpPr>
+      <p:sp>
+        <p:nvSpPr>
+          <p:cNvPr id="2" name="Title 1"/>
+          <p:cNvSpPr>
+            <a:spLocks noGrp="1"/>
+          </p:cNvSpPr>
+          <p:nvPr>
+            <p:ph type="title"/>
+          </p:nvPr>
+        </p:nvSpPr>
+        <p:spPr/>
+        <p:txBody>
+          <a:bodyPr>
+            <a:normAutofit fontScale="90000"/>
+          </a:bodyPr>
+          <a:lstStyle/>
+          <a:p>
+            <a:r>
+              <a:rPr lang="en-CA" dirty="0" smtClean="0"/>
+              <a:t>Options for merging clear-sky fine image pixels</a:t>
+            </a:r>
+            <a:endParaRPr lang="en-CA" dirty="0"/>
+          </a:p>
+        </p:txBody>
+      </p:sp>
+      <p:sp>
+        <p:nvSpPr>
+          <p:cNvPr id="3" name="Content Placeholder 2"/>
+          <p:cNvSpPr>
+            <a:spLocks noGrp="1"/>
+          </p:cNvSpPr>
+          <p:nvPr>
+            <p:ph idx="1"/>
+          </p:nvPr>
+        </p:nvSpPr>
+        <p:spPr/>
+        <p:txBody>
+          <a:bodyPr>
+            <a:normAutofit/>
+          </a:bodyPr>
+          <a:lstStyle/>
+          <a:p>
+            <a:pPr marL="0" indent="0">
+              <a:buNone/>
+            </a:pPr>
+            <a:r>
+              <a:rPr lang="en-CA" sz="2000" dirty="0"/>
+              <a:t># option for merging fine image on prediction </a:t>
+            </a:r>
+            <a:r>
+              <a:rPr lang="en-CA" sz="2000" dirty="0" smtClean="0"/>
+              <a:t>dates </a:t>
+            </a:r>
+            <a:r>
+              <a:rPr lang="en-CA" sz="2000" dirty="0"/>
+              <a:t>if available (YES|NO)</a:t>
+            </a:r>
+          </a:p>
+          <a:p>
+            <a:pPr marL="0" indent="0">
+              <a:buNone/>
+            </a:pPr>
+            <a:r>
+              <a:rPr lang="en-CA" sz="2000" i="1" dirty="0"/>
+              <a:t>  MERGE_FINE = YES</a:t>
+            </a:r>
+          </a:p>
+          <a:p>
+            <a:pPr marL="0" indent="0">
+              <a:buNone/>
+            </a:pPr>
+            <a:r>
+              <a:rPr lang="en-CA" sz="2000" i="1" dirty="0"/>
+              <a:t>  MERGE_THRESHOLD = 500</a:t>
+            </a:r>
+          </a:p>
+          <a:p>
+            <a:pPr marL="0" indent="0">
+              <a:buNone/>
+            </a:pPr>
+            <a:r>
+              <a:rPr lang="en-CA" sz="2000" i="1" dirty="0"/>
+              <a:t> </a:t>
+            </a:r>
+            <a:r>
+              <a:rPr lang="en-CA" sz="2000" i="1" dirty="0" smtClean="0"/>
+              <a:t> </a:t>
+            </a:r>
+            <a:r>
+              <a:rPr lang="en-CA" sz="2000" i="1" dirty="0"/>
+              <a:t>MERGE_EXTENSION = </a:t>
+            </a:r>
+            <a:r>
+              <a:rPr lang="en-CA" sz="2000" i="1" dirty="0" smtClean="0"/>
+              <a:t>5</a:t>
+            </a:r>
+          </a:p>
+          <a:p>
+            <a:pPr marL="0" indent="0">
+              <a:buNone/>
+            </a:pPr>
+            <a:endParaRPr lang="en-CA" sz="2000" i="1" dirty="0"/>
+          </a:p>
+          <a:p>
+            <a:pPr marL="0" indent="0">
+              <a:buNone/>
+            </a:pPr>
+            <a:r>
+              <a:rPr lang="en-CA" sz="2000" i="1" dirty="0" smtClean="0"/>
+              <a:t># MERGE_THRESHOLD is used to detect clouds and cloud shadows</a:t>
+            </a:r>
+          </a:p>
+          <a:p>
+            <a:pPr marL="0" indent="0">
+              <a:buNone/>
+            </a:pPr>
+            <a:r>
+              <a:rPr lang="en-CA" sz="2000" i="1" dirty="0"/>
+              <a:t># </a:t>
+            </a:r>
+            <a:r>
+              <a:rPr lang="en-CA" sz="2000" i="1" dirty="0" smtClean="0"/>
+              <a:t>MERGE_EXTENSION is used to normalize the blended pixels to fine image pixels</a:t>
+            </a:r>
+            <a:endParaRPr lang="en-CA" sz="2000" i="1" dirty="0"/>
+          </a:p>
+        </p:txBody>
+      </p:sp>
+    </p:spTree>
+    <p:extLst>
+      <p:ext uri="{BB962C8B-B14F-4D97-AF65-F5344CB8AC3E}">
+        <p14:creationId xmlns:p14="http://schemas.microsoft.com/office/powerpoint/2010/main" val="2156278113"/>
+      </p:ext>
+    </p:extLst>
+  </p:cSld>
+  <p:clrMapOvr>
+    <a:masterClrMapping/>
+  </p:clrMapOvr>
+</p:sld>
+</file>
+
+<file path=ppt/slides/slide16.xml><?xml version="1.0" encoding="utf-8"?>
 <p:sld xmlns:a="http://schemas.openxmlformats.org/drawingml/2006/main" xmlns:r="http://schemas.openxmlformats.org/officeDocument/2006/relationships" xmlns:p="http://schemas.openxmlformats.org/presentationml/2006/main">
   <p:cSld>
     <p:spTree>
@@ -3692,15 +4853,7 @@
             </a:pPr>
             <a:r>
               <a:rPr lang="en-US" sz="2800" dirty="0" smtClean="0"/>
-              <a:t>2 pairs of fine (Landsat / Sentinrel-2) and </a:t>
-            </a:r>
-            <a:r>
-              <a:rPr lang="en-US" sz="2800" dirty="0" smtClean="0"/>
-              <a:t>coarse (MODIS) </a:t>
-            </a:r>
-            <a:r>
-              <a:rPr lang="en-US" sz="2800" dirty="0" smtClean="0"/>
-              <a:t>images on the Start and End dates;</a:t>
+              <a:t>2 pairs of fine (Landsat / Sentinrel-2) and MODIS images on the Start and End dates;</a:t>
             </a:r>
           </a:p>
           <a:p>
@@ -3710,19 +4863,7 @@
             </a:pPr>
             <a:r>
               <a:rPr lang="en-US" sz="2800" dirty="0" smtClean="0"/>
-              <a:t>one or a series of </a:t>
-            </a:r>
-            <a:r>
-              <a:rPr lang="en-US" sz="2800" dirty="0"/>
-              <a:t>coarse </a:t>
-            </a:r>
-            <a:r>
-              <a:rPr lang="en-US" sz="2800" dirty="0" smtClean="0"/>
-              <a:t>(MODIS) </a:t>
-            </a:r>
-            <a:r>
-              <a:rPr lang="en-US" sz="2800" dirty="0" smtClean="0"/>
-              <a:t>images </a:t>
+              <a:t>one or a series of MODIS image </a:t>
             </a:r>
             <a:r>
               <a:rPr lang="en-US" sz="2800" dirty="0"/>
@@ -3846,11 +4987,15 @@
             </a:r>
             <a:r>
               <a:rPr lang="en-US" sz="2400" b="1" i="1" dirty="0" smtClean="0"/>
-              <a:t>PSRFM.exe</a:t>
+              <a:t>PSRFM_Main.exe</a:t>
             </a:r>
             <a:r>
               <a:rPr lang="en-US" sz="2400" dirty="0" smtClean="0"/>
-              <a:t> to a local folder,   e. g. C:\PSRFM;</a:t>
+              <a:t> </a:t>
+            </a:r>
+            <a:r>
+              <a:rPr lang="en-US" sz="2400" dirty="0" smtClean="0"/>
+              <a:t>to a local folder,   e. g. C:\PSRFM;</a:t>
             </a:r>
           </a:p>
           <a:p>
@@ -3868,11 +5013,7 @@
             </a:r>
             <a:r>
               <a:rPr lang="en-US" sz="2400" dirty="0" smtClean="0"/>
-              <a:t>for </a:t>
-            </a:r>
-            <a:r>
-              <a:rPr lang="en-US" sz="2400" dirty="0" smtClean="0"/>
-              <a:t>your input data files and processing options; </a:t>
+              <a:t>with your input data files and processing options; </a:t>
             </a:r>
           </a:p>
           <a:p>
@@ -3904,7 +5045,11 @@
             </a:r>
             <a:r>
               <a:rPr lang="en-US" sz="2400" b="1" i="1" dirty="0" smtClean="0"/>
-              <a:t>PSRFM.exe PSRFM_Input.txt </a:t>
+              <a:t>PSRFM_Main.exe </a:t>
+            </a:r>
+            <a:r>
+              <a:rPr lang="en-US" sz="2400" b="1" i="1" dirty="0" smtClean="0"/>
+              <a:t>PSRFM_Input.txt </a:t>
             </a:r>
             <a:endParaRPr lang="en-US" sz="2400" b="1" i="1" dirty="0"/>
           </a:p>
@@ -3966,7 +5111,7 @@
           <a:p>
             <a:r>
               <a:rPr lang="en-CA" dirty="0" smtClean="0"/>
-              <a:t>The PSRFM_Input.txt File</a:t>
+              <a:t>User interface of PSRFM program</a:t>
             </a:r>
             <a:endParaRPr lang="en-CA" dirty="0"/>
           </a:p>
@@ -3984,53 +5129,73 @@
         </p:nvSpPr>
         <p:spPr>
           <a:xfrm>
-            <a:off x="475281" y="1307390"/>
-            <a:ext cx="7162800" cy="457200"/>
+            <a:off x="457200" y="1600200"/>
+            <a:ext cx="3124200" cy="4525963"/>
           </a:xfrm>
         </p:spPr>
         <p:txBody>
           <a:bodyPr>
-            <a:normAutofit fontScale="55000" lnSpcReduction="20000"/>
+            <a:normAutofit lnSpcReduction="10000"/>
           </a:bodyPr>
           <a:lstStyle/>
           <a:p>
             <a:r>
-              <a:rPr lang="en-CA" dirty="0" smtClean="0"/>
-              <a:t>The PSRFM_Input.txt file controls the image blending processing</a:t>
-            </a:r>
-            <a:endParaRPr lang="en-CA" dirty="0"/>
-          </a:p>
-        </p:txBody>
-      </p:sp>
-      <p:sp>
-        <p:nvSpPr>
-          <p:cNvPr id="4" name="TextBox 3"/>
-          <p:cNvSpPr txBox="1"/>
-          <p:nvPr/>
-        </p:nvSpPr>
-        <p:spPr>
-          <a:xfrm>
-            <a:off x="4572000" y="1676400"/>
-            <a:ext cx="184731" cy="369332"/>
-          </a:xfrm>
-          <a:prstGeom prst="rect">
-            <a:avLst/>
-          </a:prstGeom>
-          <a:noFill/>
-        </p:spPr>
-        <p:txBody>
-          <a:bodyPr wrap="none" rtlCol="0">
-            <a:spAutoFit/>
-          </a:bodyPr>
-          <a:lstStyle/>
-          <a:p>
-            <a:endParaRPr lang="en-CA" dirty="0"/>
+              <a:rPr lang="en-CA" sz="2400" dirty="0" smtClean="0"/>
+              <a:t>Users can also use the compiled user graphic </a:t>
+            </a:r>
+            <a:r>
+              <a:rPr lang="en-CA" sz="2400" dirty="0"/>
+              <a:t>interface </a:t>
+            </a:r>
+            <a:r>
+              <a:rPr lang="en-CA" sz="2400" b="1" i="1" dirty="0" smtClean="0"/>
+              <a:t>SatImgFusion.exe</a:t>
+            </a:r>
+            <a:r>
+              <a:rPr lang="en-CA" sz="2400" dirty="0" smtClean="0"/>
+              <a:t> to run PSRFM program.</a:t>
+            </a:r>
+          </a:p>
+          <a:p>
+            <a:r>
+              <a:rPr lang="en-CA" sz="2400" dirty="0" smtClean="0"/>
+              <a:t>Just copy </a:t>
+            </a:r>
+            <a:r>
+              <a:rPr lang="en-CA" sz="2400" dirty="0"/>
+              <a:t>the </a:t>
+            </a:r>
+            <a:r>
+              <a:rPr lang="en-CA" sz="2400" dirty="0" smtClean="0"/>
+              <a:t>exe </a:t>
+            </a:r>
+            <a:r>
+              <a:rPr lang="en-CA" sz="2400" dirty="0"/>
+              <a:t>file </a:t>
+            </a:r>
+            <a:r>
+              <a:rPr lang="en-CA" sz="2400" b="1" i="1" dirty="0" smtClean="0"/>
+              <a:t>SatImgFusion.exe</a:t>
+            </a:r>
+            <a:r>
+              <a:rPr lang="en-CA" sz="2400" dirty="0" smtClean="0"/>
+              <a:t> to the same folder as the exe file </a:t>
+            </a:r>
+            <a:r>
+              <a:rPr lang="en-CA" sz="2400" b="1" i="1" dirty="0" smtClean="0"/>
+              <a:t>PSRFM_Main.exe </a:t>
+            </a:r>
+            <a:r>
+              <a:rPr lang="en-CA" sz="2400" dirty="0" smtClean="0"/>
+              <a:t>and then double click on it to start.</a:t>
+            </a:r>
+            <a:endParaRPr lang="en-CA" sz="2400" dirty="0"/>
           </a:p>
         </p:txBody>
       </p:sp>
       <p:pic>
         <p:nvPicPr>
-          <p:cNvPr id="6" name="Picture 5"/>
+          <p:cNvPr id="5" name="Picture 4"/>
           <p:cNvPicPr>
             <a:picLocks noChangeAspect="1"/>
           </p:cNvPicPr>
@@ -4044,8 +5209,8 @@
         </p:blipFill>
         <p:spPr>
           <a:xfrm>
-            <a:off x="914401" y="1600200"/>
-            <a:ext cx="6019800" cy="5122910"/>
+            <a:off x="3619500" y="1676400"/>
+            <a:ext cx="5040000" cy="3604444"/>
           </a:xfrm>
           <a:prstGeom prst="rect">
             <a:avLst/>
@@ -4055,7 +5220,7 @@
     </p:spTree>
     <p:extLst>
       <p:ext uri="{BB962C8B-B14F-4D97-AF65-F5344CB8AC3E}">
-        <p14:creationId xmlns:p14="http://schemas.microsoft.com/office/powerpoint/2010/main" val="2328827548"/>
+        <p14:creationId xmlns:p14="http://schemas.microsoft.com/office/powerpoint/2010/main" val="2857177452"/>
       </p:ext>
     </p:extLst>
   </p:cSld>
@@ -4099,7 +5264,7 @@
           <a:p>
             <a:r>
               <a:rPr lang="en-CA" dirty="0" smtClean="0"/>
-              <a:t>The Required Input Files</a:t>
+              <a:t>The PSRFM_Input.txt File</a:t>
             </a:r>
             <a:endParaRPr lang="en-CA" dirty="0"/>
           </a:p>
@@ -4115,196 +5280,80 @@
             <p:ph idx="1"/>
           </p:nvPr>
         </p:nvSpPr>
-        <p:spPr/>
+        <p:spPr>
+          <a:xfrm>
+            <a:off x="475281" y="1307390"/>
+            <a:ext cx="7162800" cy="457200"/>
+          </a:xfrm>
+        </p:spPr>
         <p:txBody>
           <a:bodyPr>
-            <a:normAutofit fontScale="92500"/>
+            <a:normAutofit fontScale="55000" lnSpcReduction="20000"/>
           </a:bodyPr>
           <a:lstStyle/>
           <a:p>
             <a:r>
-              <a:rPr lang="en-CA" sz="2600" dirty="0" smtClean="0"/>
-              <a:t>two </a:t>
-            </a:r>
-            <a:r>
-              <a:rPr lang="en-CA" sz="2600" dirty="0"/>
-              <a:t>coarse </a:t>
-            </a:r>
-            <a:r>
-              <a:rPr lang="en-CA" sz="2600" dirty="0" smtClean="0"/>
-              <a:t>resolution (MODIS) images </a:t>
-            </a:r>
-            <a:r>
-              <a:rPr lang="en-CA" sz="2600" dirty="0"/>
-              <a:t>at the start and end </a:t>
-            </a:r>
-            <a:r>
-              <a:rPr lang="en-CA" sz="2600" dirty="0" smtClean="0"/>
-              <a:t>dates saved </a:t>
-            </a:r>
-            <a:r>
-              <a:rPr lang="en-CA" sz="2600" dirty="0"/>
-              <a:t>in 2 bytes (int16) / </a:t>
-            </a:r>
-            <a:r>
-              <a:rPr lang="en-CA" sz="2600" dirty="0" smtClean="0"/>
-              <a:t>pixel binary format;</a:t>
-            </a:r>
-          </a:p>
-          <a:p>
-            <a:r>
-              <a:rPr lang="en-CA" sz="2600" dirty="0" smtClean="0"/>
-              <a:t>two fine </a:t>
-            </a:r>
-            <a:r>
-              <a:rPr lang="en-CA" sz="2600" dirty="0"/>
-              <a:t>resolution </a:t>
-            </a:r>
-            <a:r>
-              <a:rPr lang="en-CA" sz="2600" dirty="0" smtClean="0"/>
-              <a:t>(Landsat or Sentinel-2) </a:t>
-            </a:r>
-            <a:r>
-              <a:rPr lang="en-CA" sz="2600" dirty="0"/>
-              <a:t>images at the start and end </a:t>
-            </a:r>
-            <a:r>
-              <a:rPr lang="en-CA" sz="2600" dirty="0" smtClean="0"/>
-              <a:t>dates </a:t>
-            </a:r>
-            <a:r>
-              <a:rPr lang="en-CA" sz="2600" dirty="0"/>
-              <a:t>saved in 2 bytes (int16) / pixel binary </a:t>
-            </a:r>
-            <a:r>
-              <a:rPr lang="en-CA" sz="2600" dirty="0" smtClean="0"/>
-              <a:t>format;</a:t>
-            </a:r>
-          </a:p>
-          <a:p>
-            <a:r>
-              <a:rPr lang="en-CA" sz="2600" dirty="0" smtClean="0"/>
-              <a:t>two </a:t>
-            </a:r>
-            <a:r>
-              <a:rPr lang="en-CA" sz="2600" dirty="0"/>
-              <a:t>cloud mask </a:t>
-            </a:r>
-            <a:r>
-              <a:rPr lang="en-CA" sz="2600" dirty="0" smtClean="0"/>
-              <a:t>files for </a:t>
-            </a:r>
-            <a:r>
-              <a:rPr lang="en-CA" sz="2600" dirty="0"/>
-              <a:t>the fine resolution </a:t>
-            </a:r>
-            <a:r>
-              <a:rPr lang="en-CA" sz="2600" dirty="0" smtClean="0"/>
-              <a:t>images </a:t>
-            </a:r>
-            <a:r>
-              <a:rPr lang="en-CA" sz="2600" dirty="0"/>
-              <a:t>at the start and end </a:t>
-            </a:r>
-            <a:r>
-              <a:rPr lang="en-CA" sz="2600" dirty="0" smtClean="0"/>
-              <a:t>dates </a:t>
-            </a:r>
-            <a:r>
-              <a:rPr lang="en-CA" sz="2600" dirty="0"/>
-              <a:t>saved in </a:t>
-            </a:r>
-            <a:r>
-              <a:rPr lang="en-CA" sz="2600" dirty="0" smtClean="0"/>
-              <a:t>1 byte </a:t>
-            </a:r>
-            <a:r>
-              <a:rPr lang="en-CA" sz="2600" dirty="0"/>
-              <a:t>(</a:t>
-            </a:r>
-            <a:r>
-              <a:rPr lang="en-CA" sz="2600" dirty="0" smtClean="0"/>
-              <a:t>int8) </a:t>
-            </a:r>
-            <a:r>
-              <a:rPr lang="en-CA" sz="2600" dirty="0"/>
-              <a:t>/ pixel binary </a:t>
-            </a:r>
-            <a:r>
-              <a:rPr lang="en-CA" sz="2600" dirty="0" smtClean="0"/>
-              <a:t>format (The pixel value 1 and 0 mean cloudy and normal respectively);</a:t>
-            </a:r>
-          </a:p>
-          <a:p>
-            <a:r>
-              <a:rPr lang="en-CA" sz="2600" dirty="0" smtClean="0"/>
-              <a:t>a coarse </a:t>
-            </a:r>
-            <a:r>
-              <a:rPr lang="en-CA" sz="2600" dirty="0"/>
-              <a:t>resolution </a:t>
-            </a:r>
-            <a:r>
-              <a:rPr lang="en-CA" sz="2600" dirty="0" smtClean="0"/>
-              <a:t>image </a:t>
-            </a:r>
-            <a:r>
-              <a:rPr lang="en-CA" sz="2600" dirty="0"/>
-              <a:t>list for prediction days, use a space to </a:t>
-            </a:r>
-            <a:r>
-              <a:rPr lang="en-CA" sz="2600" dirty="0" smtClean="0"/>
-              <a:t>separate </a:t>
-            </a:r>
-            <a:r>
-              <a:rPr lang="en-CA" sz="2600" dirty="0"/>
-              <a:t>file </a:t>
-            </a:r>
-            <a:r>
-              <a:rPr lang="en-CA" sz="2600" dirty="0" smtClean="0"/>
-              <a:t>names;</a:t>
-            </a:r>
-          </a:p>
-          <a:p>
-            <a:r>
-              <a:rPr lang="en-CA" sz="2600" dirty="0" smtClean="0"/>
-              <a:t>an </a:t>
-            </a:r>
-            <a:r>
-              <a:rPr lang="en-CA" sz="2600" dirty="0"/>
-              <a:t>ENVI header file for the final predicted </a:t>
-            </a:r>
-            <a:r>
-              <a:rPr lang="en-CA" sz="2600" dirty="0" smtClean="0"/>
-              <a:t>images (same as ENVI </a:t>
-            </a:r>
-            <a:r>
-              <a:rPr lang="en-CA" sz="2600" dirty="0"/>
-              <a:t>header file </a:t>
-            </a:r>
-            <a:r>
-              <a:rPr lang="en-CA" sz="2600" dirty="0" smtClean="0"/>
-              <a:t>for the fine resolution images if available).</a:t>
-            </a:r>
-          </a:p>
-          <a:p>
-            <a:pPr lvl="1"/>
-            <a:endParaRPr lang="en-CA" dirty="0" smtClean="0"/>
-          </a:p>
-          <a:p>
-            <a:pPr lvl="1"/>
+              <a:rPr lang="en-CA" dirty="0" smtClean="0"/>
+              <a:t>The PSRFM_Input.txt file controls the image blending processing</a:t>
+            </a:r>
             <a:endParaRPr lang="en-CA" dirty="0"/>
           </a:p>
-          <a:p>
-            <a:pPr lvl="1"/>
+        </p:txBody>
+      </p:sp>
+      <p:sp>
+        <p:nvSpPr>
+          <p:cNvPr id="4" name="TextBox 3"/>
+          <p:cNvSpPr txBox="1"/>
+          <p:nvPr/>
+        </p:nvSpPr>
+        <p:spPr>
+          <a:xfrm>
+            <a:off x="4572000" y="1676400"/>
+            <a:ext cx="184731" cy="369332"/>
+          </a:xfrm>
+          <a:prstGeom prst="rect">
+            <a:avLst/>
+          </a:prstGeom>
+          <a:noFill/>
+        </p:spPr>
+        <p:txBody>
+          <a:bodyPr wrap="none" rtlCol="0">
+            <a:spAutoFit/>
+          </a:bodyPr>
+          <a:lstStyle/>
+          <a:p>
             <a:endParaRPr lang="en-CA" dirty="0"/>
           </a:p>
         </p:txBody>
       </p:sp>
+      <p:pic>
+        <p:nvPicPr>
+          <p:cNvPr id="5" name="Picture 4"/>
+          <p:cNvPicPr>
+            <a:picLocks noChangeAspect="1"/>
+          </p:cNvPicPr>
+          <p:nvPr/>
+        </p:nvPicPr>
+        <p:blipFill>
+          <a:blip r:embed="rId2"/>
+          <a:stretch>
+            <a:fillRect/>
+          </a:stretch>
+        </p:blipFill>
+        <p:spPr>
+          <a:xfrm>
+            <a:off x="914400" y="1638000"/>
+            <a:ext cx="4895335" cy="5220000"/>
+          </a:xfrm>
+          <a:prstGeom prst="rect">
+            <a:avLst/>
+          </a:prstGeom>
+        </p:spPr>
+      </p:pic>
     </p:spTree>
     <p:extLst>
       <p:ext uri="{BB962C8B-B14F-4D97-AF65-F5344CB8AC3E}">
-        <p14:creationId xmlns:p14="http://schemas.microsoft.com/office/powerpoint/2010/main" val="3409473747"/>
+        <p14:creationId xmlns:p14="http://schemas.microsoft.com/office/powerpoint/2010/main" val="2328827548"/>
       </p:ext>
     </p:extLst>
   </p:cSld>
@@ -4348,6 +5397,255 @@
           <a:p>
             <a:r>
               <a:rPr lang="en-CA" dirty="0" smtClean="0"/>
+              <a:t>The Required Input Files</a:t>
+            </a:r>
+            <a:endParaRPr lang="en-CA" dirty="0"/>
+          </a:p>
+        </p:txBody>
+      </p:sp>
+      <p:sp>
+        <p:nvSpPr>
+          <p:cNvPr id="3" name="Content Placeholder 2"/>
+          <p:cNvSpPr>
+            <a:spLocks noGrp="1"/>
+          </p:cNvSpPr>
+          <p:nvPr>
+            <p:ph idx="1"/>
+          </p:nvPr>
+        </p:nvSpPr>
+        <p:spPr/>
+        <p:txBody>
+          <a:bodyPr>
+            <a:normAutofit fontScale="92500"/>
+          </a:bodyPr>
+          <a:lstStyle/>
+          <a:p>
+            <a:r>
+              <a:rPr lang="en-CA" sz="2600" dirty="0" smtClean="0"/>
+              <a:t>two </a:t>
+            </a:r>
+            <a:r>
+              <a:rPr lang="en-CA" sz="2600" dirty="0"/>
+              <a:t>coarse </a:t>
+            </a:r>
+            <a:r>
+              <a:rPr lang="en-CA" sz="2600" dirty="0" smtClean="0"/>
+              <a:t>resolution (MODIS) images </a:t>
+            </a:r>
+            <a:r>
+              <a:rPr lang="en-CA" sz="2600" dirty="0"/>
+              <a:t>at the start and end </a:t>
+            </a:r>
+            <a:r>
+              <a:rPr lang="en-CA" sz="2600" dirty="0" smtClean="0"/>
+              <a:t>dates saved </a:t>
+            </a:r>
+            <a:r>
+              <a:rPr lang="en-CA" sz="2600" dirty="0"/>
+              <a:t>in 2 bytes (int16) / </a:t>
+            </a:r>
+            <a:r>
+              <a:rPr lang="en-CA" sz="2600" dirty="0" smtClean="0"/>
+              <a:t>pixel binary format;</a:t>
+            </a:r>
+          </a:p>
+          <a:p>
+            <a:r>
+              <a:rPr lang="en-CA" sz="2600" dirty="0" smtClean="0"/>
+              <a:t>two fine </a:t>
+            </a:r>
+            <a:r>
+              <a:rPr lang="en-CA" sz="2600" dirty="0"/>
+              <a:t>resolution </a:t>
+            </a:r>
+            <a:r>
+              <a:rPr lang="en-CA" sz="2600" dirty="0" smtClean="0"/>
+              <a:t>(Landsat or Sentinel-2) </a:t>
+            </a:r>
+            <a:r>
+              <a:rPr lang="en-CA" sz="2600" dirty="0"/>
+              <a:t>images at the start and end </a:t>
+            </a:r>
+            <a:r>
+              <a:rPr lang="en-CA" sz="2600" dirty="0" smtClean="0"/>
+              <a:t>dates </a:t>
+            </a:r>
+            <a:r>
+              <a:rPr lang="en-CA" sz="2600" dirty="0"/>
+              <a:t>saved in 2 bytes (int16) / pixel binary </a:t>
+            </a:r>
+            <a:r>
+              <a:rPr lang="en-CA" sz="2600" dirty="0" smtClean="0"/>
+              <a:t>format;</a:t>
+            </a:r>
+          </a:p>
+          <a:p>
+            <a:r>
+              <a:rPr lang="en-CA" sz="2600" dirty="0" smtClean="0"/>
+              <a:t>two </a:t>
+            </a:r>
+            <a:r>
+              <a:rPr lang="en-CA" sz="2600" dirty="0"/>
+              <a:t>cloud mask </a:t>
+            </a:r>
+            <a:r>
+              <a:rPr lang="en-CA" sz="2600" dirty="0" smtClean="0"/>
+              <a:t>files for </a:t>
+            </a:r>
+            <a:r>
+              <a:rPr lang="en-CA" sz="2600" dirty="0"/>
+              <a:t>the fine resolution </a:t>
+            </a:r>
+            <a:r>
+              <a:rPr lang="en-CA" sz="2600" dirty="0" smtClean="0"/>
+              <a:t>images </a:t>
+            </a:r>
+            <a:r>
+              <a:rPr lang="en-CA" sz="2600" dirty="0"/>
+              <a:t>at the start and end </a:t>
+            </a:r>
+            <a:r>
+              <a:rPr lang="en-CA" sz="2600" dirty="0" smtClean="0"/>
+              <a:t>dates </a:t>
+            </a:r>
+            <a:r>
+              <a:rPr lang="en-CA" sz="2600" dirty="0"/>
+              <a:t>saved in </a:t>
+            </a:r>
+            <a:r>
+              <a:rPr lang="en-CA" sz="2600" dirty="0" smtClean="0"/>
+              <a:t>1 byte </a:t>
+            </a:r>
+            <a:r>
+              <a:rPr lang="en-CA" sz="2600" dirty="0"/>
+              <a:t>(</a:t>
+            </a:r>
+            <a:r>
+              <a:rPr lang="en-CA" sz="2600" dirty="0" smtClean="0"/>
+              <a:t>int8) </a:t>
+            </a:r>
+            <a:r>
+              <a:rPr lang="en-CA" sz="2600" dirty="0"/>
+              <a:t>/ pixel binary </a:t>
+            </a:r>
+            <a:r>
+              <a:rPr lang="en-CA" sz="2600" dirty="0" smtClean="0"/>
+              <a:t>format (The pixel value 1 and 0 mean cloudy and normal respectively);</a:t>
+            </a:r>
+          </a:p>
+          <a:p>
+            <a:r>
+              <a:rPr lang="en-CA" sz="2600" dirty="0" smtClean="0"/>
+              <a:t>a coarse </a:t>
+            </a:r>
+            <a:r>
+              <a:rPr lang="en-CA" sz="2600" dirty="0"/>
+              <a:t>resolution </a:t>
+            </a:r>
+            <a:r>
+              <a:rPr lang="en-CA" sz="2600" dirty="0" smtClean="0"/>
+              <a:t>image </a:t>
+            </a:r>
+            <a:r>
+              <a:rPr lang="en-CA" sz="2600" dirty="0"/>
+              <a:t>list for prediction days, use a space to </a:t>
+            </a:r>
+            <a:r>
+              <a:rPr lang="en-CA" sz="2600" dirty="0" smtClean="0"/>
+              <a:t>separate </a:t>
+            </a:r>
+            <a:r>
+              <a:rPr lang="en-CA" sz="2600" dirty="0"/>
+              <a:t>file </a:t>
+            </a:r>
+            <a:r>
+              <a:rPr lang="en-CA" sz="2600" dirty="0" smtClean="0"/>
+              <a:t>names;</a:t>
+            </a:r>
+          </a:p>
+          <a:p>
+            <a:r>
+              <a:rPr lang="en-CA" sz="2600" dirty="0" smtClean="0"/>
+              <a:t>an </a:t>
+            </a:r>
+            <a:r>
+              <a:rPr lang="en-CA" sz="2600" dirty="0"/>
+              <a:t>ENVI header file for the final predicted </a:t>
+            </a:r>
+            <a:r>
+              <a:rPr lang="en-CA" sz="2600" dirty="0" smtClean="0"/>
+              <a:t>images (same as ENVI </a:t>
+            </a:r>
+            <a:r>
+              <a:rPr lang="en-CA" sz="2600" dirty="0"/>
+              <a:t>header file </a:t>
+            </a:r>
+            <a:r>
+              <a:rPr lang="en-CA" sz="2600" dirty="0" smtClean="0"/>
+              <a:t>for the fine resolution images if available).</a:t>
+            </a:r>
+          </a:p>
+          <a:p>
+            <a:pPr lvl="1"/>
+            <a:endParaRPr lang="en-CA" dirty="0" smtClean="0"/>
+          </a:p>
+          <a:p>
+            <a:pPr lvl="1"/>
+            <a:endParaRPr lang="en-CA" dirty="0"/>
+          </a:p>
+          <a:p>
+            <a:pPr lvl="1"/>
+            <a:endParaRPr lang="en-CA" dirty="0"/>
+          </a:p>
+        </p:txBody>
+      </p:sp>
+    </p:spTree>
+    <p:extLst>
+      <p:ext uri="{BB962C8B-B14F-4D97-AF65-F5344CB8AC3E}">
+        <p14:creationId xmlns:p14="http://schemas.microsoft.com/office/powerpoint/2010/main" val="3409473747"/>
+      </p:ext>
+    </p:extLst>
+  </p:cSld>
+  <p:clrMapOvr>
+    <a:masterClrMapping/>
+  </p:clrMapOvr>
+</p:sld>
+</file>
+
+<file path=ppt/slides/slide7.xml><?xml version="1.0" encoding="utf-8"?>
+<p:sld xmlns:a="http://schemas.openxmlformats.org/drawingml/2006/main" xmlns:r="http://schemas.openxmlformats.org/officeDocument/2006/relationships" xmlns:p="http://schemas.openxmlformats.org/presentationml/2006/main">
+  <p:cSld>
+    <p:spTree>
+      <p:nvGrpSpPr>
+        <p:cNvPr id="1" name=""/>
+        <p:cNvGrpSpPr/>
+        <p:nvPr/>
+      </p:nvGrpSpPr>
+      <p:grpSpPr>
+        <a:xfrm>
+          <a:off x="0" y="0"/>
+          <a:ext cx="0" cy="0"/>
+          <a:chOff x="0" y="0"/>
+          <a:chExt cx="0" cy="0"/>
+        </a:xfrm>
+      </p:grpSpPr>
+      <p:sp>
+        <p:nvSpPr>
+          <p:cNvPr id="2" name="Title 1"/>
+          <p:cNvSpPr>
+            <a:spLocks noGrp="1"/>
+          </p:cNvSpPr>
+          <p:nvPr>
+            <p:ph type="title"/>
+          </p:nvPr>
+        </p:nvSpPr>
+        <p:spPr/>
+        <p:txBody>
+          <a:bodyPr/>
+          <a:lstStyle/>
+          <a:p>
+            <a:r>
+              <a:rPr lang="en-CA" dirty="0" smtClean="0"/>
               <a:t>Requirements on the input files</a:t>
             </a:r>
             <a:endParaRPr lang="en-CA" dirty="0"/>
@@ -4366,8 +5664,8 @@
         </p:nvSpPr>
         <p:spPr>
           <a:xfrm>
-            <a:off x="457200" y="1600200"/>
-            <a:ext cx="8077200" cy="2819399"/>
+            <a:off x="457200" y="1600201"/>
+            <a:ext cx="8153400" cy="2544762"/>
           </a:xfrm>
         </p:spPr>
         <p:txBody>
@@ -4392,13 +5690,6 @@
           <a:p>
             <a:r>
               <a:rPr lang="en-CA" sz="3500" dirty="0" smtClean="0"/>
-              <a:t>Resampled the coarse images to the same resolution as the fine resolution images;</a:t>
-            </a:r>
-            <a:endParaRPr lang="en-CA" sz="3500" dirty="0" smtClean="0"/>
-          </a:p>
-          <a:p>
-            <a:r>
-              <a:rPr lang="en-CA" sz="3500" dirty="0" smtClean="0"/>
               <a:t>Named </a:t>
             </a:r>
             <a:r>
@@ -4485,26 +5776,18 @@
           <a:p>
             <a:r>
               <a:rPr lang="en-US" sz="3500" dirty="0" smtClean="0"/>
-              <a:t>The band/channel data with different sensors must be matched in the same </a:t>
-            </a:r>
+              <a:t>The band/channel data with different sensors must be matched in the same order</a:t>
+            </a:r>
+            <a:r>
+              <a:rPr lang="en-US" sz="3500" dirty="0"/>
+              <a:t>;</a:t>
+            </a:r>
+            <a:endParaRPr lang="en-US" sz="3500" dirty="0" smtClean="0"/>
+          </a:p>
+          <a:p>
             <a:r>
               <a:rPr lang="en-US" sz="3500" dirty="0" smtClean="0"/>
-              <a:t>order (see the table below);</a:t>
-            </a:r>
-            <a:endParaRPr lang="en-US" sz="3500" dirty="0" smtClean="0"/>
-          </a:p>
-          <a:p>
-            <a:r>
-              <a:rPr lang="en-US" sz="3500" dirty="0" smtClean="0"/>
-              <a:t>The coarse resolution images must cover the same or </a:t>
-            </a:r>
-            <a:r>
-              <a:rPr lang="en-US" sz="3500" dirty="0" smtClean="0"/>
-              <a:t>a larger </a:t>
-            </a:r>
-            <a:r>
-              <a:rPr lang="en-US" sz="3500" dirty="0" smtClean="0"/>
-              <a:t>area than the fine resolution images. If the coverage is larger, the co-registration option must be selected.</a:t>
+              <a:t>The coarse resolution images must cover the same or larger area than the fine resolution images. If the coverage is larger, the co-registration option must be selected.</a:t>
             </a:r>
           </a:p>
           <a:p>
@@ -4563,255 +5846,6 @@
 </p:sld>
 </file>
 
-<file path=ppt/slides/slide7.xml><?xml version="1.0" encoding="utf-8"?>
-<p:sld xmlns:a="http://schemas.openxmlformats.org/drawingml/2006/main" xmlns:r="http://schemas.openxmlformats.org/officeDocument/2006/relationships" xmlns:p="http://schemas.openxmlformats.org/presentationml/2006/main">
-  <p:cSld>
-    <p:spTree>
-      <p:nvGrpSpPr>
-        <p:cNvPr id="1" name=""/>
-        <p:cNvGrpSpPr/>
-        <p:nvPr/>
-      </p:nvGrpSpPr>
-      <p:grpSpPr>
-        <a:xfrm>
-          <a:off x="0" y="0"/>
-          <a:ext cx="0" cy="0"/>
-          <a:chOff x="0" y="0"/>
-          <a:chExt cx="0" cy="0"/>
-        </a:xfrm>
-      </p:grpSpPr>
-      <p:sp>
-        <p:nvSpPr>
-          <p:cNvPr id="2" name="Title 1"/>
-          <p:cNvSpPr>
-            <a:spLocks noGrp="1"/>
-          </p:cNvSpPr>
-          <p:nvPr>
-            <p:ph type="title"/>
-          </p:nvPr>
-        </p:nvSpPr>
-        <p:spPr/>
-        <p:txBody>
-          <a:bodyPr/>
-          <a:lstStyle/>
-          <a:p>
-            <a:r>
-              <a:rPr lang="en-CA" dirty="0" smtClean="0"/>
-              <a:t>Options </a:t>
-            </a:r>
-            <a:r>
-              <a:rPr lang="en-CA" dirty="0"/>
-              <a:t>for co-registration</a:t>
-            </a:r>
-          </a:p>
-        </p:txBody>
-      </p:sp>
-      <p:sp>
-        <p:nvSpPr>
-          <p:cNvPr id="3" name="Content Placeholder 2"/>
-          <p:cNvSpPr>
-            <a:spLocks noGrp="1"/>
-          </p:cNvSpPr>
-          <p:nvPr>
-            <p:ph idx="1"/>
-          </p:nvPr>
-        </p:nvSpPr>
-        <p:spPr/>
-        <p:txBody>
-          <a:bodyPr>
-            <a:normAutofit lnSpcReduction="10000"/>
-          </a:bodyPr>
-          <a:lstStyle/>
-          <a:p>
-            <a:pPr marL="0" indent="0">
-              <a:buNone/>
-            </a:pPr>
-            <a:r>
-              <a:rPr lang="en-CA" sz="2000" dirty="0"/>
-              <a:t># option for co-registration (YES|NO)</a:t>
-            </a:r>
-          </a:p>
-          <a:p>
-            <a:pPr marL="0" indent="0">
-              <a:buNone/>
-            </a:pPr>
-            <a:r>
-              <a:rPr lang="en-CA" sz="2000" dirty="0"/>
-              <a:t>  </a:t>
-            </a:r>
-            <a:r>
-              <a:rPr lang="en-CA" sz="2000" i="1" dirty="0"/>
-              <a:t>CO_REGISTER = YES</a:t>
-            </a:r>
-          </a:p>
-          <a:p>
-            <a:pPr marL="0" indent="0">
-              <a:buNone/>
-            </a:pPr>
-            <a:r>
-              <a:rPr lang="en-CA" sz="2000" dirty="0"/>
-              <a:t># number of rows of input fine and coarse </a:t>
-            </a:r>
-            <a:r>
-              <a:rPr lang="en-CA" sz="2000" dirty="0" smtClean="0"/>
-              <a:t>images, </a:t>
-            </a:r>
-          </a:p>
-          <a:p>
-            <a:pPr marL="0" indent="0">
-              <a:buNone/>
-            </a:pPr>
-            <a:r>
-              <a:rPr lang="en-CA" sz="2000" dirty="0"/>
-              <a:t># for </a:t>
-            </a:r>
-            <a:r>
-              <a:rPr lang="en-CA" sz="2000" dirty="0" smtClean="0"/>
-              <a:t>co-</a:t>
-            </a:r>
-            <a:r>
-              <a:rPr lang="en-CA" sz="2000" dirty="0" smtClean="0"/>
-              <a:t>registration </a:t>
-            </a:r>
-            <a:r>
-              <a:rPr lang="en-CA" sz="2000" dirty="0"/>
-              <a:t>COARSE_ROWS &gt; NROWS, otherwise they are equal</a:t>
-            </a:r>
-          </a:p>
-          <a:p>
-            <a:pPr marL="0" indent="0">
-              <a:buNone/>
-            </a:pPr>
-            <a:r>
-              <a:rPr lang="en-CA" sz="2000" dirty="0"/>
-              <a:t>  </a:t>
-            </a:r>
-            <a:r>
-              <a:rPr lang="en-CA" sz="2000" i="1" dirty="0"/>
-              <a:t>NROWS = 1400</a:t>
-            </a:r>
-          </a:p>
-          <a:p>
-            <a:pPr marL="0" indent="0">
-              <a:buNone/>
-            </a:pPr>
-            <a:r>
-              <a:rPr lang="en-CA" sz="2000" dirty="0"/>
-              <a:t>  </a:t>
-            </a:r>
-            <a:r>
-              <a:rPr lang="en-CA" sz="2000" i="1" dirty="0"/>
-              <a:t>COARSE_ROWS = 1600</a:t>
-            </a:r>
-          </a:p>
-          <a:p>
-            <a:pPr marL="0" indent="0">
-              <a:buNone/>
-            </a:pPr>
-            <a:r>
-              <a:rPr lang="en-CA" sz="2000" dirty="0"/>
-              <a:t># number of columns of input fine and coarse images, </a:t>
-            </a:r>
-            <a:endParaRPr lang="en-CA" sz="2000" dirty="0" smtClean="0"/>
-          </a:p>
-          <a:p>
-            <a:pPr marL="0" indent="0">
-              <a:buNone/>
-            </a:pPr>
-            <a:r>
-              <a:rPr lang="en-CA" sz="2000" dirty="0" smtClean="0"/>
-              <a:t># </a:t>
-            </a:r>
-            <a:r>
-              <a:rPr lang="en-CA" sz="2000" dirty="0" smtClean="0"/>
-              <a:t>for </a:t>
-            </a:r>
-            <a:r>
-              <a:rPr lang="en-CA" sz="2000" dirty="0" smtClean="0"/>
-              <a:t>co-registration </a:t>
-            </a:r>
-            <a:r>
-              <a:rPr lang="en-CA" sz="2000" dirty="0" smtClean="0"/>
-              <a:t>COARSE_COLS </a:t>
-            </a:r>
-            <a:r>
-              <a:rPr lang="en-CA" sz="2000" dirty="0"/>
-              <a:t>&gt; NCOLS, otherwise they are equal</a:t>
-            </a:r>
-          </a:p>
-          <a:p>
-            <a:pPr marL="0" indent="0">
-              <a:buNone/>
-            </a:pPr>
-            <a:r>
-              <a:rPr lang="en-CA" sz="2000" dirty="0"/>
-              <a:t>  </a:t>
-            </a:r>
-            <a:r>
-              <a:rPr lang="en-CA" sz="2000" i="1" dirty="0"/>
-              <a:t>NCOLS = 2000</a:t>
-            </a:r>
-          </a:p>
-          <a:p>
-            <a:pPr marL="0" indent="0">
-              <a:buNone/>
-            </a:pPr>
-            <a:r>
-              <a:rPr lang="en-CA" sz="2000" dirty="0"/>
-              <a:t>  </a:t>
-            </a:r>
-            <a:r>
-              <a:rPr lang="en-CA" sz="2000" i="1" dirty="0" smtClean="0"/>
-              <a:t>COARSE_COLS </a:t>
-            </a:r>
-            <a:r>
-              <a:rPr lang="en-CA" sz="2000" i="1" dirty="0"/>
-              <a:t>= </a:t>
-            </a:r>
-            <a:r>
-              <a:rPr lang="en-CA" sz="2000" i="1" dirty="0" smtClean="0"/>
-              <a:t>2200</a:t>
-            </a:r>
-          </a:p>
-          <a:p>
-            <a:pPr marL="0" indent="0">
-              <a:buNone/>
-            </a:pPr>
-            <a:endParaRPr lang="en-CA" sz="2000" i="1" dirty="0"/>
-          </a:p>
-          <a:p>
-            <a:pPr marL="0" indent="0">
-              <a:buNone/>
-            </a:pPr>
-            <a:r>
-              <a:rPr lang="en-CA" sz="2000" b="1" i="1" dirty="0" smtClean="0"/>
-              <a:t>Note: 1 to 2 km coverage extension of the coarse images </a:t>
-            </a:r>
-            <a:r>
-              <a:rPr lang="en-CA" sz="2000" b="1" i="1" dirty="0"/>
-              <a:t>is </a:t>
-            </a:r>
-            <a:r>
-              <a:rPr lang="en-CA" sz="2000" b="1" i="1" dirty="0" smtClean="0"/>
-              <a:t>recommendable for the co-registration. </a:t>
-            </a:r>
-            <a:endParaRPr lang="en-CA" sz="2000" b="1" i="1" dirty="0"/>
-          </a:p>
-        </p:txBody>
-      </p:sp>
-    </p:spTree>
-    <p:extLst>
-      <p:ext uri="{BB962C8B-B14F-4D97-AF65-F5344CB8AC3E}">
-        <p14:creationId xmlns:p14="http://schemas.microsoft.com/office/powerpoint/2010/main" val="2850533211"/>
-      </p:ext>
-    </p:extLst>
-  </p:cSld>
-  <p:clrMapOvr>
-    <a:masterClrMapping/>
-  </p:clrMapOvr>
-</p:sld>
-</file>
-
 <file path=ppt/slides/slide8.xml><?xml version="1.0" encoding="utf-8"?>
 <p:sld xmlns:a="http://schemas.openxmlformats.org/drawingml/2006/main" xmlns:r="http://schemas.openxmlformats.org/officeDocument/2006/relationships" xmlns:p="http://schemas.openxmlformats.org/presentationml/2006/main">
   <p:cSld>
@@ -4846,7 +5880,7 @@
           <a:p>
             <a:r>
               <a:rPr lang="en-CA" dirty="0" smtClean="0"/>
-              <a:t>Metadata of the input images</a:t>
+              <a:t>Options for Prediction Model</a:t>
             </a:r>
             <a:endParaRPr lang="en-CA" dirty="0"/>
           </a:p>
@@ -4862,16 +5896,9 @@
             <p:ph idx="1"/>
           </p:nvPr>
         </p:nvSpPr>
-        <p:spPr>
-          <a:xfrm>
-            <a:off x="457200" y="1600200"/>
-            <a:ext cx="8229600" cy="4645617"/>
-          </a:xfrm>
-        </p:spPr>
-        <p:txBody>
-          <a:bodyPr>
-            <a:normAutofit fontScale="47500" lnSpcReduction="20000"/>
-          </a:bodyPr>
+        <p:spPr/>
+        <p:txBody>
+          <a:bodyPr/>
           <a:lstStyle/>
           <a:p>
             <a:pPr marL="0" indent="0">
@@ -4879,8 +5906,22 @@
             </a:pPr>
             <a:r>
               <a:rPr lang="en-CA" dirty="0"/>
-              <a:t># number of bands (same for all inputs)</a:t>
-            </a:r>
+              <a:t># prediction model (PSRFM, KFRFM</a:t>
+            </a:r>
+            <a:r>
+              <a:rPr lang="en-CA" dirty="0" smtClean="0"/>
+              <a:t>)</a:t>
+            </a:r>
+          </a:p>
+          <a:p>
+            <a:pPr marL="0" indent="0">
+              <a:buNone/>
+            </a:pPr>
+            <a:r>
+              <a:rPr lang="en-CA" dirty="0" smtClean="0"/>
+              <a:t># use the prediction smooth model</a:t>
+            </a:r>
+            <a:endParaRPr lang="en-CA" dirty="0"/>
           </a:p>
           <a:p>
             <a:pPr marL="0" indent="0">
@@ -4888,104 +5929,42 @@
             </a:pPr>
             <a:r>
               <a:rPr lang="en-CA" dirty="0"/>
-              <a:t>  </a:t>
-            </a:r>
-            <a:r>
-              <a:rPr lang="en-CA" i="1" dirty="0"/>
-              <a:t>NBANDS = 6</a:t>
-            </a:r>
-          </a:p>
-          <a:p>
-            <a:pPr marL="0" indent="0">
-              <a:buNone/>
-            </a:pPr>
-            <a:r>
-              <a:rPr lang="en-CA" dirty="0"/>
-              <a:t># spatial resolution (same for all inputs)</a:t>
-            </a:r>
-          </a:p>
-          <a:p>
-            <a:pPr marL="0" indent="0">
-              <a:buNone/>
-            </a:pPr>
-            <a:r>
-              <a:rPr lang="en-CA" dirty="0"/>
-              <a:t>  </a:t>
-            </a:r>
-            <a:r>
-              <a:rPr lang="en-CA" i="1" dirty="0"/>
-              <a:t>RESOLUTION = 20</a:t>
-            </a:r>
-          </a:p>
-          <a:p>
-            <a:pPr marL="0" indent="0">
-              <a:buNone/>
-            </a:pPr>
-            <a:r>
-              <a:rPr lang="en-CA" dirty="0"/>
-              <a:t># resolution ratio of coarse and fine </a:t>
-            </a:r>
-            <a:r>
-              <a:rPr lang="en-CA" dirty="0" smtClean="0"/>
-              <a:t>images</a:t>
-            </a:r>
-          </a:p>
-          <a:p>
-            <a:pPr marL="0" indent="0">
-              <a:buNone/>
-            </a:pPr>
-            <a:r>
-              <a:rPr lang="en-CA" dirty="0" smtClean="0"/>
-              <a:t># </a:t>
-            </a:r>
-            <a:r>
-              <a:rPr lang="en-CA" b="1" dirty="0" smtClean="0"/>
-              <a:t>important:</a:t>
-            </a:r>
-            <a:r>
-              <a:rPr lang="en-CA" dirty="0" smtClean="0"/>
-              <a:t> the </a:t>
-            </a:r>
-            <a:r>
-              <a:rPr lang="en-CA" i="1" dirty="0"/>
-              <a:t>NROWS</a:t>
-            </a:r>
-            <a:r>
-              <a:rPr lang="en-CA" dirty="0" smtClean="0"/>
-              <a:t> and </a:t>
-            </a:r>
-            <a:r>
-              <a:rPr lang="en-CA" i="1" dirty="0"/>
-              <a:t>NCOLS</a:t>
-            </a:r>
-            <a:r>
-              <a:rPr lang="en-CA" dirty="0" smtClean="0"/>
-              <a:t> must </a:t>
-            </a:r>
-            <a:r>
-              <a:rPr lang="en-CA" dirty="0"/>
-              <a:t>be </a:t>
-            </a:r>
-            <a:r>
-              <a:rPr lang="en-CA" dirty="0" smtClean="0"/>
-              <a:t>divisible by the </a:t>
-            </a:r>
-            <a:r>
-              <a:rPr lang="en-CA" i="1" dirty="0" smtClean="0"/>
-              <a:t>BLOCK_SIZE</a:t>
-            </a:r>
-          </a:p>
-          <a:p>
-            <a:pPr marL="0" indent="0">
-              <a:buNone/>
-            </a:pPr>
+              <a:t> </a:t>
+            </a:r>
             <a:r>
               <a:rPr lang="en-CA" dirty="0" smtClean="0"/>
               <a:t>  </a:t>
             </a:r>
             <a:r>
               <a:rPr lang="en-CA" i="1" dirty="0"/>
-              <a:t>BLOCK_SIZE = 25</a:t>
+              <a:t>PREDICT_MODEL = </a:t>
+            </a:r>
+            <a:r>
+              <a:rPr lang="en-CA" i="1" dirty="0" smtClean="0"/>
+              <a:t>PSRFM</a:t>
+            </a:r>
+          </a:p>
+          <a:p>
+            <a:pPr marL="0" indent="0">
+              <a:buNone/>
+            </a:pPr>
+            <a:endParaRPr lang="en-CA" i="1" dirty="0" smtClean="0"/>
+          </a:p>
+          <a:p>
+            <a:pPr marL="0" indent="0">
+              <a:buNone/>
+            </a:pPr>
+            <a:r>
+              <a:rPr lang="en-CA" i="1" dirty="0" smtClean="0"/>
+              <a:t># or use the </a:t>
+            </a:r>
+            <a:r>
+              <a:rPr lang="en-CA" i="1" dirty="0" err="1" smtClean="0"/>
+              <a:t>Kalman</a:t>
+            </a:r>
+            <a:r>
+              <a:rPr lang="en-CA" i="1" dirty="0" smtClean="0"/>
+              <a:t> Filter prediction model</a:t>
             </a:r>
           </a:p>
           <a:p>
@@ -4994,172 +5973,27 @@
             </a:pPr>
             <a:r>
               <a:rPr lang="en-CA" dirty="0"/>
-              <a:t># p</a:t>
+              <a:t> </a:t>
             </a:r>
             <a:r>
               <a:rPr lang="en-CA" dirty="0" smtClean="0"/>
-              <a:t>ixel value </a:t>
-            </a:r>
-            <a:r>
-              <a:rPr lang="en-CA" dirty="0" smtClean="0"/>
-              <a:t>scale </a:t>
-            </a:r>
-            <a:r>
-              <a:rPr lang="en-CA" dirty="0"/>
-              <a:t>factor</a:t>
-            </a:r>
-          </a:p>
-          <a:p>
-            <a:pPr marL="0" indent="0">
-              <a:buNone/>
-            </a:pPr>
-            <a:r>
-              <a:rPr lang="en-CA" dirty="0"/>
               <a:t>  </a:t>
             </a:r>
             <a:r>
+              <a:rPr lang="en-CA" i="1" dirty="0" smtClean="0"/>
+              <a:t>PREDICT_MODEL </a:t>
+            </a:r>
+            <a:r>
               <a:rPr lang="en-CA" i="1" dirty="0"/>
-              <a:t>SCALE_FACTOR = 10000</a:t>
-            </a:r>
-          </a:p>
-          <a:p>
-            <a:pPr marL="0" indent="0">
-              <a:buNone/>
-            </a:pPr>
-            <a:r>
-              <a:rPr lang="en-CA" dirty="0"/>
-              <a:t># </a:t>
-            </a:r>
-            <a:r>
-              <a:rPr lang="en-CA" dirty="0" smtClean="0"/>
-              <a:t>metadata </a:t>
-            </a:r>
-            <a:r>
-              <a:rPr lang="en-CA" dirty="0"/>
-              <a:t>for fine resolution </a:t>
-            </a:r>
-            <a:r>
-              <a:rPr lang="en-CA" dirty="0" smtClean="0"/>
-              <a:t>images</a:t>
-            </a:r>
-            <a:endParaRPr lang="en-CA" dirty="0"/>
-          </a:p>
-          <a:p>
-            <a:pPr marL="0" indent="0">
-              <a:buNone/>
-            </a:pPr>
-            <a:r>
-              <a:rPr lang="en-CA" dirty="0"/>
-              <a:t>  </a:t>
-            </a:r>
-            <a:r>
-              <a:rPr lang="en-CA" i="1" dirty="0"/>
-              <a:t>FINE_IMAGE_FILLV = -9999</a:t>
-            </a:r>
-          </a:p>
-          <a:p>
-            <a:pPr marL="0" indent="0">
-              <a:buNone/>
-            </a:pPr>
-            <a:r>
-              <a:rPr lang="en-CA" dirty="0"/>
-              <a:t>  </a:t>
-            </a:r>
-            <a:r>
-              <a:rPr lang="en-CA" i="1" dirty="0"/>
-              <a:t>FINE_IMAGE_DATA_RANGE = 0, 10000</a:t>
-            </a:r>
-          </a:p>
-          <a:p>
-            <a:pPr marL="0" indent="0">
-              <a:buNone/>
-            </a:pPr>
-            <a:r>
-              <a:rPr lang="en-CA" dirty="0"/>
-              <a:t>  </a:t>
-            </a:r>
-            <a:r>
-              <a:rPr lang="en-CA" i="1" dirty="0"/>
-              <a:t>FINE_IMAGE_UNCERTAINTY = 40</a:t>
-            </a:r>
-          </a:p>
-          <a:p>
-            <a:pPr marL="0" indent="0">
-              <a:buNone/>
-            </a:pPr>
-            <a:r>
-              <a:rPr lang="en-CA" dirty="0"/>
-              <a:t># </a:t>
-            </a:r>
-            <a:r>
-              <a:rPr lang="en-CA" dirty="0" smtClean="0"/>
-              <a:t>metadata </a:t>
-            </a:r>
-            <a:r>
-              <a:rPr lang="en-CA" dirty="0"/>
-              <a:t>for coarse resolution </a:t>
-            </a:r>
-            <a:r>
-              <a:rPr lang="en-CA" dirty="0" smtClean="0"/>
-              <a:t>images</a:t>
-            </a:r>
-            <a:endParaRPr lang="en-CA" dirty="0"/>
-          </a:p>
-          <a:p>
-            <a:pPr marL="0" indent="0">
-              <a:buNone/>
-            </a:pPr>
-            <a:r>
-              <a:rPr lang="en-CA" dirty="0"/>
-              <a:t>  </a:t>
-            </a:r>
-            <a:r>
-              <a:rPr lang="en-CA" i="1" dirty="0"/>
-              <a:t>COARSE_IMAGE_FILLV = 32767</a:t>
-            </a:r>
-          </a:p>
-          <a:p>
-            <a:pPr marL="0" indent="0">
-              <a:buNone/>
-            </a:pPr>
-            <a:r>
-              <a:rPr lang="en-CA" dirty="0"/>
-              <a:t>  </a:t>
-            </a:r>
-            <a:r>
-              <a:rPr lang="en-CA" i="1" dirty="0"/>
-              <a:t>COARSE_IMAGE_DATA_RANGE = 0, 10000</a:t>
-            </a:r>
-          </a:p>
-          <a:p>
-            <a:pPr marL="0" indent="0">
-              <a:buNone/>
-            </a:pPr>
-            <a:r>
-              <a:rPr lang="en-CA" dirty="0"/>
-              <a:t>  </a:t>
-            </a:r>
-            <a:r>
-              <a:rPr lang="en-CA" i="1" dirty="0"/>
-              <a:t>COARSE_IMAGE_UNCERTAINTY = </a:t>
-            </a:r>
-            <a:r>
-              <a:rPr lang="en-CA" i="1" dirty="0" smtClean="0"/>
-              <a:t>20</a:t>
-            </a:r>
-          </a:p>
-          <a:p>
-            <a:pPr marL="0" indent="0">
-              <a:buNone/>
-            </a:pPr>
-            <a:endParaRPr lang="en-CA" i="1" dirty="0"/>
+              <a:t>= KFRFM</a:t>
+            </a:r>
           </a:p>
         </p:txBody>
       </p:sp>
     </p:spTree>
     <p:extLst>
       <p:ext uri="{BB962C8B-B14F-4D97-AF65-F5344CB8AC3E}">
-        <p14:creationId xmlns:p14="http://schemas.microsoft.com/office/powerpoint/2010/main" val="2457881503"/>
+        <p14:creationId xmlns:p14="http://schemas.microsoft.com/office/powerpoint/2010/main" val="1153402782"/>
       </p:ext>
     </p:extLst>
   </p:cSld>
@@ -5203,9 +6037,12 @@
           <a:p>
             <a:r>
               <a:rPr lang="en-CA" dirty="0" smtClean="0"/>
-              <a:t>Options for clustering</a:t>
-            </a:r>
-            <a:endParaRPr lang="en-CA" dirty="0"/>
+              <a:t>Options </a:t>
+            </a:r>
+            <a:r>
+              <a:rPr lang="en-CA" dirty="0"/>
+              <a:t>for co-registration</a:t>
+            </a:r>
           </a:p>
         </p:txBody>
       </p:sp>
@@ -5219,15 +6056,10 @@
             <p:ph idx="1"/>
           </p:nvPr>
         </p:nvSpPr>
-        <p:spPr>
-          <a:xfrm>
-            <a:off x="457200" y="1600200"/>
-            <a:ext cx="8153400" cy="4800600"/>
-          </a:xfrm>
-        </p:spPr>
+        <p:spPr/>
         <p:txBody>
           <a:bodyPr>
-            <a:normAutofit fontScale="55000" lnSpcReduction="20000"/>
+            <a:normAutofit fontScale="92500" lnSpcReduction="10000"/>
           </a:bodyPr>
           <a:lstStyle/>
           <a:p>
@@ -5235,393 +6067,169 @@
               <a:buNone/>
             </a:pPr>
             <a:r>
-              <a:rPr lang="en-CA" dirty="0"/>
-              <a:t># cluster method (</a:t>
-            </a:r>
-            <a:r>
-              <a:rPr lang="en-CA" i="1" dirty="0"/>
-              <a:t>KMEAN</a:t>
-            </a:r>
-            <a:r>
-              <a:rPr lang="en-CA" dirty="0"/>
-              <a:t>|</a:t>
-            </a:r>
-            <a:r>
-              <a:rPr lang="en-CA" i="1" dirty="0"/>
-              <a:t>CRATIO</a:t>
-            </a:r>
-            <a:r>
-              <a:rPr lang="en-CA" dirty="0"/>
-              <a:t>) and input data</a:t>
-            </a:r>
-            <a:r>
-              <a:rPr lang="en-CA" dirty="0" smtClean="0"/>
-              <a:t>.</a:t>
-            </a:r>
-          </a:p>
-          <a:p>
-            <a:pPr marL="0" indent="0">
-              <a:buNone/>
-            </a:pPr>
-            <a:r>
-              <a:rPr lang="en-CA" dirty="0" smtClean="0"/>
+              <a:rPr lang="en-CA" sz="2000" dirty="0"/>
+              <a:t># option for co-registration (YES|NO)</a:t>
+            </a:r>
+          </a:p>
+          <a:p>
+            <a:pPr marL="0" indent="0">
+              <a:buNone/>
+            </a:pPr>
+            <a:r>
+              <a:rPr lang="en-CA" sz="2000" dirty="0"/>
+              <a:t>  </a:t>
+            </a:r>
+            <a:r>
+              <a:rPr lang="en-CA" sz="2000" i="1" dirty="0"/>
+              <a:t>CO_REGISTER = YES</a:t>
+            </a:r>
+          </a:p>
+          <a:p>
+            <a:pPr marL="0" indent="0">
+              <a:buNone/>
+            </a:pPr>
+            <a:endParaRPr lang="en-CA" sz="2000" dirty="0" smtClean="0"/>
+          </a:p>
+          <a:p>
+            <a:pPr marL="0" indent="0">
+              <a:buNone/>
+            </a:pPr>
+            <a:r>
+              <a:rPr lang="en-CA" sz="2000" dirty="0" smtClean="0"/>
               <a:t># </a:t>
             </a:r>
             <a:r>
-              <a:rPr lang="en-CA" i="1" dirty="0" smtClean="0"/>
-              <a:t>CLUSTER_METHOD </a:t>
-            </a:r>
-            <a:r>
-              <a:rPr lang="en-CA" i="1" dirty="0"/>
+              <a:rPr lang="en-CA" sz="2000" dirty="0"/>
+              <a:t>number of rows of input fine and coarse images, </a:t>
+            </a:r>
+            <a:endParaRPr lang="en-CA" sz="2000" dirty="0" smtClean="0"/>
+          </a:p>
+          <a:p>
+            <a:pPr marL="0" indent="0">
+              <a:buNone/>
+            </a:pPr>
+            <a:r>
+              <a:rPr lang="en-CA" sz="2000" dirty="0" smtClean="0"/>
+              <a:t># for co-registration </a:t>
+            </a:r>
+            <a:r>
+              <a:rPr lang="en-CA" sz="2000" dirty="0"/>
+              <a:t>COARSE_ROWS &gt; NROWS, otherwise they are equal</a:t>
+            </a:r>
+          </a:p>
+          <a:p>
+            <a:pPr marL="0" indent="0">
+              <a:buNone/>
+            </a:pPr>
+            <a:r>
+              <a:rPr lang="en-CA" sz="2000" dirty="0"/>
+              <a:t>  </a:t>
+            </a:r>
+            <a:r>
+              <a:rPr lang="en-CA" sz="2000" i="1" dirty="0"/>
+              <a:t>NROWS = 1400</a:t>
+            </a:r>
+          </a:p>
+          <a:p>
+            <a:pPr marL="0" indent="0">
+              <a:buNone/>
+            </a:pPr>
+            <a:r>
+              <a:rPr lang="en-CA" sz="2000" dirty="0"/>
+              <a:t>  </a:t>
+            </a:r>
+            <a:r>
+              <a:rPr lang="en-CA" sz="2000" i="1" dirty="0"/>
+              <a:t>COARSE_ROWS = 1600</a:t>
+            </a:r>
+          </a:p>
+          <a:p>
+            <a:pPr marL="0" indent="0">
+              <a:buNone/>
+            </a:pPr>
+            <a:r>
+              <a:rPr lang="en-CA" sz="2000" dirty="0"/>
+              <a:t># number of columns of input fine and coarse images, </a:t>
+            </a:r>
+            <a:endParaRPr lang="en-CA" sz="2000" dirty="0" smtClean="0"/>
+          </a:p>
+          <a:p>
+            <a:pPr marL="0" indent="0">
+              <a:buNone/>
+            </a:pPr>
+            <a:r>
+              <a:rPr lang="en-CA" sz="2000" dirty="0" smtClean="0"/>
+              <a:t># for co-registration COARSE_COLS </a:t>
+            </a:r>
+            <a:r>
+              <a:rPr lang="en-CA" sz="2000" dirty="0"/>
+              <a:t>&gt; NCOLS, otherwise they are equal</a:t>
+            </a:r>
+          </a:p>
+          <a:p>
+            <a:pPr marL="0" indent="0">
+              <a:buNone/>
+            </a:pPr>
+            <a:r>
+              <a:rPr lang="en-CA" sz="2000" dirty="0"/>
+              <a:t>  </a:t>
+            </a:r>
+            <a:r>
+              <a:rPr lang="en-CA" sz="2000" i="1" dirty="0"/>
+              <a:t>NCOLS = 2000</a:t>
+            </a:r>
+          </a:p>
+          <a:p>
+            <a:pPr marL="0" indent="0">
+              <a:buNone/>
+            </a:pPr>
+            <a:r>
+              <a:rPr lang="en-CA" sz="2000" dirty="0"/>
+              <a:t>  </a:t>
+            </a:r>
+            <a:r>
+              <a:rPr lang="en-CA" sz="2000" i="1" dirty="0" smtClean="0"/>
+              <a:t>COARSE_COLS </a:t>
+            </a:r>
+            <a:r>
+              <a:rPr lang="en-CA" sz="2000" i="1" dirty="0"/>
               <a:t>= </a:t>
             </a:r>
             <a:r>
-              <a:rPr lang="en-CA" i="1" dirty="0" smtClean="0"/>
-              <a:t>KMEAN </a:t>
-            </a:r>
-            <a:r>
-              <a:rPr lang="en-CA" dirty="0"/>
-              <a:t>use the </a:t>
-            </a:r>
-            <a:r>
-              <a:rPr lang="en-CA" dirty="0" err="1"/>
-              <a:t>kmean</a:t>
-            </a:r>
-            <a:r>
-              <a:rPr lang="en-CA" dirty="0"/>
-              <a:t> method for clustering</a:t>
-            </a:r>
-          </a:p>
-          <a:p>
-            <a:pPr marL="0" indent="0">
-              <a:buNone/>
-            </a:pPr>
-            <a:r>
-              <a:rPr lang="en-CA" dirty="0" smtClean="0"/>
-              <a:t># </a:t>
-            </a:r>
-            <a:r>
-              <a:rPr lang="en-CA" i="1" dirty="0"/>
-              <a:t>CLUSTER_METHOD = </a:t>
-            </a:r>
-            <a:r>
-              <a:rPr lang="en-CA" i="1" dirty="0" smtClean="0"/>
-              <a:t>CRATIO </a:t>
-            </a:r>
-            <a:r>
-              <a:rPr lang="en-CA" dirty="0" smtClean="0"/>
-              <a:t>use </a:t>
-            </a:r>
-            <a:r>
-              <a:rPr lang="en-CA" dirty="0"/>
-              <a:t>the simple grouping method, </a:t>
-            </a:r>
-            <a:endParaRPr lang="en-CA" dirty="0" smtClean="0"/>
-          </a:p>
-          <a:p>
-            <a:pPr marL="0" indent="0">
-              <a:buNone/>
-            </a:pPr>
-            <a:r>
-              <a:rPr lang="en-CA" dirty="0" smtClean="0"/>
-              <a:t># only </a:t>
-            </a:r>
-            <a:r>
-              <a:rPr lang="en-CA" dirty="0"/>
-              <a:t>valid </a:t>
-            </a:r>
-            <a:r>
-              <a:rPr lang="en-CA" dirty="0" smtClean="0"/>
-              <a:t>when </a:t>
-            </a:r>
-            <a:r>
-              <a:rPr lang="en-CA" i="1" dirty="0" smtClean="0"/>
-              <a:t>CLUSTER_DATA </a:t>
-            </a:r>
-            <a:r>
-              <a:rPr lang="en-CA" i="1" dirty="0"/>
-              <a:t>= </a:t>
-            </a:r>
-            <a:r>
-              <a:rPr lang="en-CA" i="1" dirty="0" smtClean="0"/>
-              <a:t>ratio</a:t>
-            </a:r>
-          </a:p>
-          <a:p>
-            <a:pPr marL="0" indent="0">
-              <a:buNone/>
-            </a:pPr>
-            <a:r>
-              <a:rPr lang="en-CA" dirty="0" smtClean="0"/>
-              <a:t>   </a:t>
-            </a:r>
-            <a:r>
-              <a:rPr lang="en-CA" i="1" dirty="0" smtClean="0"/>
-              <a:t>CLUSTER_METHOD </a:t>
-            </a:r>
-            <a:r>
-              <a:rPr lang="en-CA" i="1" dirty="0"/>
-              <a:t>= </a:t>
-            </a:r>
-            <a:r>
-              <a:rPr lang="en-CA" i="1" dirty="0" smtClean="0"/>
-              <a:t>KMEAN</a:t>
-            </a:r>
-          </a:p>
-          <a:p>
-            <a:pPr marL="0" indent="0">
-              <a:buNone/>
-            </a:pPr>
-            <a:endParaRPr lang="en-CA" dirty="0" smtClean="0"/>
-          </a:p>
-          <a:p>
-            <a:pPr marL="0" indent="0">
-              <a:buNone/>
-            </a:pPr>
-            <a:r>
-              <a:rPr lang="en-CA" dirty="0" smtClean="0"/>
-              <a:t># </a:t>
-            </a:r>
-            <a:r>
-              <a:rPr lang="en-CA" dirty="0"/>
-              <a:t>cluster method input data (</a:t>
-            </a:r>
-            <a:r>
-              <a:rPr lang="en-CA" i="1" dirty="0" err="1"/>
-              <a:t>fine</a:t>
-            </a:r>
-            <a:r>
-              <a:rPr lang="en-CA" dirty="0" err="1"/>
-              <a:t>|</a:t>
-            </a:r>
-            <a:r>
-              <a:rPr lang="en-CA" i="1" dirty="0" err="1"/>
-              <a:t>fine+coarse</a:t>
-            </a:r>
-            <a:r>
-              <a:rPr lang="en-CA" dirty="0" err="1"/>
-              <a:t>|</a:t>
-            </a:r>
-            <a:r>
-              <a:rPr lang="en-CA" i="1" dirty="0" err="1"/>
-              <a:t>ratio</a:t>
-            </a:r>
-            <a:r>
-              <a:rPr lang="en-CA" dirty="0" smtClean="0"/>
-              <a:t>)</a:t>
-            </a:r>
-          </a:p>
-          <a:p>
-            <a:pPr marL="0" indent="0">
-              <a:buNone/>
-            </a:pPr>
-            <a:r>
-              <a:rPr lang="en-CA" dirty="0" smtClean="0"/>
-              <a:t># </a:t>
-            </a:r>
-            <a:r>
-              <a:rPr lang="en-CA" i="1" dirty="0"/>
-              <a:t>CLUSTER_DATA = fine </a:t>
-            </a:r>
-            <a:r>
-              <a:rPr lang="en-CA" dirty="0" smtClean="0"/>
-              <a:t>use </a:t>
-            </a:r>
-            <a:r>
-              <a:rPr lang="en-CA" dirty="0"/>
-              <a:t>the fine resolution image at the start or end date </a:t>
-            </a:r>
-            <a:r>
-              <a:rPr lang="en-CA" dirty="0" smtClean="0"/>
-              <a:t>only</a:t>
-            </a:r>
-          </a:p>
-          <a:p>
-            <a:pPr marL="0" indent="0">
-              <a:buNone/>
-            </a:pPr>
-            <a:r>
-              <a:rPr lang="en-CA" dirty="0" smtClean="0"/>
-              <a:t># </a:t>
-            </a:r>
-            <a:r>
-              <a:rPr lang="en-CA" i="1" dirty="0"/>
-              <a:t>CLUSTER_DATA = </a:t>
-            </a:r>
-            <a:r>
-              <a:rPr lang="en-CA" i="1" dirty="0" err="1"/>
-              <a:t>fine+coarse</a:t>
-            </a:r>
-            <a:r>
-              <a:rPr lang="en-CA" i="1" dirty="0"/>
-              <a:t> </a:t>
-            </a:r>
-            <a:r>
-              <a:rPr lang="en-CA" dirty="0" smtClean="0"/>
-              <a:t>use </a:t>
-            </a:r>
-            <a:r>
-              <a:rPr lang="en-CA" dirty="0"/>
-              <a:t>the fine resolution image at the start or </a:t>
-            </a:r>
-            <a:endParaRPr lang="en-CA" dirty="0" smtClean="0"/>
-          </a:p>
-          <a:p>
-            <a:pPr marL="0" indent="0">
-              <a:buNone/>
-            </a:pPr>
-            <a:r>
-              <a:rPr lang="en-CA" dirty="0" smtClean="0"/>
-              <a:t># end </a:t>
-            </a:r>
-            <a:r>
-              <a:rPr lang="en-CA" dirty="0"/>
-              <a:t>date + the coarse </a:t>
-            </a:r>
-            <a:r>
-              <a:rPr lang="en-CA" dirty="0" smtClean="0"/>
-              <a:t>resolution image</a:t>
-            </a:r>
-          </a:p>
-          <a:p>
-            <a:pPr marL="0" indent="0">
-              <a:buNone/>
-            </a:pPr>
-            <a:r>
-              <a:rPr lang="en-CA" dirty="0" smtClean="0"/>
-              <a:t># </a:t>
-            </a:r>
-            <a:r>
-              <a:rPr lang="en-CA" i="1" dirty="0"/>
-              <a:t>CLUSTER_DATA = ratio </a:t>
-            </a:r>
-            <a:r>
-              <a:rPr lang="en-CA" dirty="0" smtClean="0"/>
-              <a:t>use </a:t>
-            </a:r>
-            <a:r>
-              <a:rPr lang="en-CA" dirty="0"/>
-              <a:t>the coarse resolution reflectance change ratios</a:t>
-            </a:r>
-            <a:endParaRPr lang="en-CA" dirty="0" smtClean="0"/>
-          </a:p>
-          <a:p>
-            <a:pPr marL="0" indent="0">
-              <a:buNone/>
-            </a:pPr>
-            <a:r>
-              <a:rPr lang="en-CA" dirty="0" smtClean="0"/>
-              <a:t>   </a:t>
-            </a:r>
-            <a:r>
-              <a:rPr lang="en-CA" i="1" dirty="0" smtClean="0"/>
-              <a:t>CLUSTER_DATA </a:t>
-            </a:r>
-            <a:r>
-              <a:rPr lang="en-CA" i="1" dirty="0"/>
-              <a:t>= </a:t>
-            </a:r>
-            <a:r>
-              <a:rPr lang="en-CA" i="1" dirty="0" smtClean="0"/>
-              <a:t>fine</a:t>
-            </a:r>
-          </a:p>
-          <a:p>
-            <a:pPr marL="0" indent="0">
-              <a:buNone/>
-            </a:pPr>
-            <a:endParaRPr lang="en-CA" dirty="0"/>
-          </a:p>
-          <a:p>
-            <a:pPr marL="0" indent="0">
-              <a:buNone/>
-            </a:pPr>
-            <a:r>
-              <a:rPr lang="en-CA" dirty="0"/>
-              <a:t># cluster range used for </a:t>
-            </a:r>
-            <a:r>
-              <a:rPr lang="en-CA" dirty="0" smtClean="0"/>
-              <a:t>optimizing </a:t>
-            </a:r>
-            <a:r>
-              <a:rPr lang="en-CA" dirty="0"/>
-              <a:t>clusters</a:t>
-            </a:r>
-          </a:p>
-          <a:p>
-            <a:pPr marL="0" indent="0">
-              <a:buNone/>
-            </a:pPr>
-            <a:r>
-              <a:rPr lang="en-CA" dirty="0"/>
-              <a:t>  </a:t>
-            </a:r>
-            <a:r>
-              <a:rPr lang="en-CA" dirty="0" smtClean="0"/>
-              <a:t> </a:t>
-            </a:r>
-            <a:r>
-              <a:rPr lang="en-CA" i="1" dirty="0" smtClean="0"/>
-              <a:t>CLUSTER_RANGE </a:t>
-            </a:r>
-            <a:r>
-              <a:rPr lang="en-CA" i="1" dirty="0"/>
-              <a:t>= 8 20</a:t>
-            </a:r>
-          </a:p>
-          <a:p>
-            <a:pPr marL="0" indent="0">
-              <a:buNone/>
-            </a:pPr>
-            <a:r>
-              <a:rPr lang="en-CA" dirty="0"/>
-              <a:t># cluster optimization method (</a:t>
-            </a:r>
-            <a:r>
-              <a:rPr lang="en-CA" i="1" dirty="0"/>
-              <a:t>CC</a:t>
-            </a:r>
-            <a:r>
-              <a:rPr lang="en-CA" dirty="0"/>
-              <a:t>|</a:t>
-            </a:r>
-            <a:r>
-              <a:rPr lang="en-CA" i="1" dirty="0"/>
-              <a:t>CF</a:t>
-            </a:r>
-            <a:r>
-              <a:rPr lang="en-CA" dirty="0"/>
-              <a:t>)</a:t>
-            </a:r>
-          </a:p>
-          <a:p>
-            <a:pPr marL="0" indent="0">
-              <a:buNone/>
-            </a:pPr>
-            <a:r>
-              <a:rPr lang="en-CA" dirty="0"/>
-              <a:t>  </a:t>
-            </a:r>
-            <a:r>
-              <a:rPr lang="en-CA" dirty="0" smtClean="0"/>
-              <a:t> </a:t>
-            </a:r>
-            <a:r>
-              <a:rPr lang="en-CA" i="1" dirty="0" smtClean="0"/>
-              <a:t>CLUSTER_OPTIMAL </a:t>
-            </a:r>
-            <a:r>
-              <a:rPr lang="en-CA" i="1" dirty="0"/>
-              <a:t>= CF</a:t>
-            </a:r>
+              <a:rPr lang="en-CA" sz="2000" i="1" dirty="0" smtClean="0"/>
+              <a:t>2200</a:t>
+            </a:r>
+          </a:p>
+          <a:p>
+            <a:pPr marL="0" indent="0">
+              <a:buNone/>
+            </a:pPr>
+            <a:endParaRPr lang="en-CA" sz="2000" i="1" dirty="0"/>
+          </a:p>
+          <a:p>
+            <a:pPr marL="0" indent="0">
+              <a:buNone/>
+            </a:pPr>
+            <a:r>
+              <a:rPr lang="en-CA" sz="2000" b="1" i="1" dirty="0" smtClean="0"/>
+              <a:t>Note: 1 to 2 km coverage extension of the coarse images </a:t>
+            </a:r>
+            <a:r>
+              <a:rPr lang="en-CA" sz="2000" b="1" i="1" dirty="0"/>
+              <a:t>is </a:t>
+            </a:r>
+            <a:r>
+              <a:rPr lang="en-CA" sz="2000" b="1" i="1" dirty="0" smtClean="0"/>
+              <a:t>recommendable for the co-registration. </a:t>
+            </a:r>
+            <a:endParaRPr lang="en-CA" sz="2000" b="1" i="1" dirty="0"/>
           </a:p>
         </p:txBody>
       </p:sp>
     </p:spTree>
     <p:extLst>
       <p:ext uri="{BB962C8B-B14F-4D97-AF65-F5344CB8AC3E}">
-        <p14:creationId xmlns:p14="http://schemas.microsoft.com/office/powerpoint/2010/main" val="1671898980"/>
+        <p14:creationId xmlns:p14="http://schemas.microsoft.com/office/powerpoint/2010/main" val="2850533211"/>
       </p:ext>
     </p:extLst>
   </p:cSld>
